--- a/Arboles/If-else.pptx
+++ b/Arboles/If-else.pptx
@@ -244,7 +244,7 @@
           <a:p>
             <a:fld id="{A24D1F3A-D1EF-447E-A819-3BB187B73454}" type="datetimeFigureOut">
               <a:rPr lang="en-US" smtClean="0"/>
-              <a:t>7/24/2022</a:t>
+              <a:t>8/1/2022</a:t>
             </a:fld>
             <a:endParaRPr lang="en-US"/>
           </a:p>
@@ -414,7 +414,7 @@
           <a:p>
             <a:fld id="{A24D1F3A-D1EF-447E-A819-3BB187B73454}" type="datetimeFigureOut">
               <a:rPr lang="en-US" smtClean="0"/>
-              <a:t>7/24/2022</a:t>
+              <a:t>8/1/2022</a:t>
             </a:fld>
             <a:endParaRPr lang="en-US"/>
           </a:p>
@@ -594,7 +594,7 @@
           <a:p>
             <a:fld id="{A24D1F3A-D1EF-447E-A819-3BB187B73454}" type="datetimeFigureOut">
               <a:rPr lang="en-US" smtClean="0"/>
-              <a:t>7/24/2022</a:t>
+              <a:t>8/1/2022</a:t>
             </a:fld>
             <a:endParaRPr lang="en-US"/>
           </a:p>
@@ -764,7 +764,7 @@
           <a:p>
             <a:fld id="{A24D1F3A-D1EF-447E-A819-3BB187B73454}" type="datetimeFigureOut">
               <a:rPr lang="en-US" smtClean="0"/>
-              <a:t>7/24/2022</a:t>
+              <a:t>8/1/2022</a:t>
             </a:fld>
             <a:endParaRPr lang="en-US"/>
           </a:p>
@@ -1010,7 +1010,7 @@
           <a:p>
             <a:fld id="{A24D1F3A-D1EF-447E-A819-3BB187B73454}" type="datetimeFigureOut">
               <a:rPr lang="en-US" smtClean="0"/>
-              <a:t>7/24/2022</a:t>
+              <a:t>8/1/2022</a:t>
             </a:fld>
             <a:endParaRPr lang="en-US"/>
           </a:p>
@@ -1242,7 +1242,7 @@
           <a:p>
             <a:fld id="{A24D1F3A-D1EF-447E-A819-3BB187B73454}" type="datetimeFigureOut">
               <a:rPr lang="en-US" smtClean="0"/>
-              <a:t>7/24/2022</a:t>
+              <a:t>8/1/2022</a:t>
             </a:fld>
             <a:endParaRPr lang="en-US"/>
           </a:p>
@@ -1609,7 +1609,7 @@
           <a:p>
             <a:fld id="{A24D1F3A-D1EF-447E-A819-3BB187B73454}" type="datetimeFigureOut">
               <a:rPr lang="en-US" smtClean="0"/>
-              <a:t>7/24/2022</a:t>
+              <a:t>8/1/2022</a:t>
             </a:fld>
             <a:endParaRPr lang="en-US"/>
           </a:p>
@@ -1727,7 +1727,7 @@
           <a:p>
             <a:fld id="{A24D1F3A-D1EF-447E-A819-3BB187B73454}" type="datetimeFigureOut">
               <a:rPr lang="en-US" smtClean="0"/>
-              <a:t>7/24/2022</a:t>
+              <a:t>8/1/2022</a:t>
             </a:fld>
             <a:endParaRPr lang="en-US"/>
           </a:p>
@@ -1822,7 +1822,7 @@
           <a:p>
             <a:fld id="{A24D1F3A-D1EF-447E-A819-3BB187B73454}" type="datetimeFigureOut">
               <a:rPr lang="en-US" smtClean="0"/>
-              <a:t>7/24/2022</a:t>
+              <a:t>8/1/2022</a:t>
             </a:fld>
             <a:endParaRPr lang="en-US"/>
           </a:p>
@@ -2099,7 +2099,7 @@
           <a:p>
             <a:fld id="{A24D1F3A-D1EF-447E-A819-3BB187B73454}" type="datetimeFigureOut">
               <a:rPr lang="en-US" smtClean="0"/>
-              <a:t>7/24/2022</a:t>
+              <a:t>8/1/2022</a:t>
             </a:fld>
             <a:endParaRPr lang="en-US"/>
           </a:p>
@@ -2352,7 +2352,7 @@
           <a:p>
             <a:fld id="{A24D1F3A-D1EF-447E-A819-3BB187B73454}" type="datetimeFigureOut">
               <a:rPr lang="en-US" smtClean="0"/>
-              <a:t>7/24/2022</a:t>
+              <a:t>8/1/2022</a:t>
             </a:fld>
             <a:endParaRPr lang="en-US"/>
           </a:p>
@@ -2565,7 +2565,7 @@
           <a:p>
             <a:fld id="{A24D1F3A-D1EF-447E-A819-3BB187B73454}" type="datetimeFigureOut">
               <a:rPr lang="en-US" smtClean="0"/>
-              <a:t>7/24/2022</a:t>
+              <a:t>8/1/2022</a:t>
             </a:fld>
             <a:endParaRPr lang="en-US"/>
           </a:p>
@@ -3129,8 +3129,8 @@
         </p:nvSpPr>
         <p:spPr>
           <a:xfrm>
-            <a:off x="5974653" y="302611"/>
-            <a:ext cx="776175" cy="338554"/>
+            <a:off x="5529048" y="161987"/>
+            <a:ext cx="665567" cy="292388"/>
           </a:xfrm>
           <a:prstGeom prst="rect">
             <a:avLst/>
@@ -3144,10 +3144,10 @@
           <a:lstStyle/>
           <a:p>
             <a:r>
-              <a:rPr lang="es-ES" sz="1600" dirty="0"/>
+              <a:rPr lang="es-ES" sz="1300" dirty="0"/>
               <a:t>IF-ELSE</a:t>
             </a:r>
-            <a:endParaRPr lang="en-US" sz="1600" dirty="0"/>
+            <a:endParaRPr lang="en-US" sz="1300" dirty="0"/>
           </a:p>
         </p:txBody>
       </p:sp>
@@ -3159,8 +3159,8 @@
         </p:nvSpPr>
         <p:spPr>
           <a:xfrm>
-            <a:off x="2164074" y="1233498"/>
-            <a:ext cx="308098" cy="276999"/>
+            <a:off x="549642" y="1233498"/>
+            <a:ext cx="308098" cy="292388"/>
           </a:xfrm>
           <a:prstGeom prst="rect">
             <a:avLst/>
@@ -3174,10 +3174,10 @@
           <a:lstStyle/>
           <a:p>
             <a:r>
-              <a:rPr lang="es-ES" sz="1200" dirty="0"/>
+              <a:rPr lang="es-ES" sz="1300" dirty="0"/>
               <a:t>If</a:t>
             </a:r>
-            <a:endParaRPr lang="en-US" sz="1200" dirty="0"/>
+            <a:endParaRPr lang="en-US" sz="1300" dirty="0"/>
           </a:p>
         </p:txBody>
       </p:sp>
@@ -3189,8 +3189,8 @@
         </p:nvSpPr>
         <p:spPr>
           <a:xfrm>
-            <a:off x="2747887" y="1234488"/>
-            <a:ext cx="231154" cy="276999"/>
+            <a:off x="1510117" y="1235328"/>
+            <a:ext cx="235962" cy="292388"/>
           </a:xfrm>
           <a:prstGeom prst="rect">
             <a:avLst/>
@@ -3204,10 +3204,10 @@
           <a:lstStyle/>
           <a:p>
             <a:r>
-              <a:rPr lang="es-ES" sz="1200" dirty="0"/>
+              <a:rPr lang="es-ES" sz="1300" dirty="0"/>
               <a:t>(</a:t>
             </a:r>
-            <a:endParaRPr lang="en-US" sz="1200" dirty="0"/>
+            <a:endParaRPr lang="en-US" sz="1300" dirty="0"/>
           </a:p>
         </p:txBody>
       </p:sp>
@@ -3219,8 +3219,8 @@
         </p:nvSpPr>
         <p:spPr>
           <a:xfrm>
-            <a:off x="3015703" y="1234488"/>
-            <a:ext cx="2340962" cy="276999"/>
+            <a:off x="2200086" y="1233498"/>
+            <a:ext cx="2515176" cy="292388"/>
           </a:xfrm>
           <a:prstGeom prst="rect">
             <a:avLst/>
@@ -3234,10 +3234,10 @@
           <a:lstStyle/>
           <a:p>
             <a:r>
-              <a:rPr lang="es-ES" sz="1200" dirty="0"/>
+              <a:rPr lang="es-ES" sz="1300" dirty="0"/>
               <a:t>SENTENCIA_BOOLEANA_ANIDADA</a:t>
             </a:r>
-            <a:endParaRPr lang="en-US" sz="1200" dirty="0"/>
+            <a:endParaRPr lang="en-US" sz="1300" dirty="0"/>
           </a:p>
         </p:txBody>
       </p:sp>
@@ -3249,8 +3249,8 @@
         </p:nvSpPr>
         <p:spPr>
           <a:xfrm>
-            <a:off x="5630679" y="1231696"/>
-            <a:ext cx="231154" cy="276999"/>
+            <a:off x="4870465" y="1233498"/>
+            <a:ext cx="235962" cy="292388"/>
           </a:xfrm>
           <a:prstGeom prst="rect">
             <a:avLst/>
@@ -3264,10 +3264,10 @@
           <a:lstStyle/>
           <a:p>
             <a:r>
-              <a:rPr lang="es-ES" sz="1200" dirty="0"/>
+              <a:rPr lang="es-ES" sz="1300" dirty="0"/>
               <a:t>)</a:t>
             </a:r>
-            <a:endParaRPr lang="en-US" sz="1200" dirty="0"/>
+            <a:endParaRPr lang="en-US" sz="1300" dirty="0"/>
           </a:p>
         </p:txBody>
       </p:sp>
@@ -3283,8 +3283,8 @@
         </p:nvCxnSpPr>
         <p:spPr>
           <a:xfrm flipH="1">
-            <a:off x="2318123" y="641165"/>
-            <a:ext cx="4044618" cy="592333"/>
+            <a:off x="703691" y="454375"/>
+            <a:ext cx="5158141" cy="779123"/>
           </a:xfrm>
           <a:prstGeom prst="line">
             <a:avLst/>
@@ -3316,8 +3316,8 @@
         </p:nvCxnSpPr>
         <p:spPr>
           <a:xfrm flipH="1">
-            <a:off x="2863464" y="641165"/>
-            <a:ext cx="3499277" cy="593323"/>
+            <a:off x="1628098" y="454375"/>
+            <a:ext cx="4233734" cy="780953"/>
           </a:xfrm>
           <a:prstGeom prst="line">
             <a:avLst/>
@@ -3349,8 +3349,8 @@
         </p:nvCxnSpPr>
         <p:spPr>
           <a:xfrm flipH="1">
-            <a:off x="4186184" y="641165"/>
-            <a:ext cx="2176557" cy="593323"/>
+            <a:off x="3457674" y="454375"/>
+            <a:ext cx="2404158" cy="779123"/>
           </a:xfrm>
           <a:prstGeom prst="line">
             <a:avLst/>
@@ -3382,8 +3382,8 @@
         </p:nvCxnSpPr>
         <p:spPr>
           <a:xfrm flipH="1">
-            <a:off x="5746256" y="641165"/>
-            <a:ext cx="616485" cy="590531"/>
+            <a:off x="4988446" y="454375"/>
+            <a:ext cx="873386" cy="779123"/>
           </a:xfrm>
           <a:prstGeom prst="line">
             <a:avLst/>
@@ -3418,8 +3418,8 @@
         </p:nvSpPr>
         <p:spPr>
           <a:xfrm>
-            <a:off x="6625787" y="2140109"/>
-            <a:ext cx="542393" cy="276999"/>
+            <a:off x="7287867" y="2140109"/>
+            <a:ext cx="571118" cy="292388"/>
           </a:xfrm>
           <a:prstGeom prst="rect">
             <a:avLst/>
@@ -3432,10 +3432,10 @@
           <a:lstStyle/>
           <a:p>
             <a:r>
-              <a:rPr lang="es-ES" sz="1200" dirty="0"/>
+              <a:rPr lang="es-ES" sz="1300" dirty="0"/>
               <a:t>COUT</a:t>
             </a:r>
-            <a:endParaRPr lang="en-US" sz="1200" dirty="0"/>
+            <a:endParaRPr lang="en-US" sz="1300" dirty="0"/>
           </a:p>
         </p:txBody>
       </p:sp>
@@ -3453,8 +3453,8 @@
         </p:nvSpPr>
         <p:spPr>
           <a:xfrm>
-            <a:off x="6949042" y="3208744"/>
-            <a:ext cx="628505" cy="276999"/>
+            <a:off x="8014588" y="3052385"/>
+            <a:ext cx="665118" cy="292388"/>
           </a:xfrm>
           <a:prstGeom prst="rect">
             <a:avLst/>
@@ -3467,7 +3467,7 @@
           <a:lstStyle/>
           <a:p>
             <a:r>
-              <a:rPr lang="en-US" sz="1200" dirty="0"/>
+              <a:rPr lang="en-US" sz="1300" dirty="0"/>
               <a:t>SALIDA</a:t>
             </a:r>
           </a:p>
@@ -3487,8 +3487,8 @@
         </p:nvSpPr>
         <p:spPr>
           <a:xfrm>
-            <a:off x="5770095" y="3192252"/>
-            <a:ext cx="482691" cy="276999"/>
+            <a:off x="6974136" y="3035749"/>
+            <a:ext cx="647843" cy="292388"/>
           </a:xfrm>
           <a:prstGeom prst="rect">
             <a:avLst/>
@@ -3501,7 +3501,7 @@
           <a:lstStyle/>
           <a:p>
             <a:r>
-              <a:rPr lang="en-US" sz="1200" dirty="0"/>
+              <a:rPr lang="en-US" sz="1300" dirty="0"/>
               <a:t>cout</a:t>
             </a:r>
           </a:p>
@@ -3521,8 +3521,8 @@
         </p:nvSpPr>
         <p:spPr>
           <a:xfrm>
-            <a:off x="6430015" y="3192252"/>
-            <a:ext cx="338554" cy="276999"/>
+            <a:off x="7549844" y="3033899"/>
+            <a:ext cx="351378" cy="292388"/>
           </a:xfrm>
           <a:prstGeom prst="rect">
             <a:avLst/>
@@ -3535,7 +3535,7 @@
           <a:lstStyle/>
           <a:p>
             <a:r>
-              <a:rPr lang="en-US" sz="1200" dirty="0"/>
+              <a:rPr lang="en-US" sz="1300" dirty="0"/>
               <a:t>&lt;&lt;</a:t>
             </a:r>
           </a:p>
@@ -3559,12 +3559,17 @@
         </p:nvCxnSpPr>
         <p:spPr>
           <a:xfrm flipH="1">
-            <a:off x="6011441" y="2417108"/>
-            <a:ext cx="885543" cy="775144"/>
+            <a:off x="7298058" y="2432497"/>
+            <a:ext cx="275368" cy="603252"/>
           </a:xfrm>
           <a:prstGeom prst="line">
             <a:avLst/>
           </a:prstGeom>
+          <a:ln>
+            <a:solidFill>
+              <a:schemeClr val="accent4"/>
+            </a:solidFill>
+          </a:ln>
         </p:spPr>
         <p:style>
           <a:lnRef idx="1">
@@ -3597,13 +3602,18 @@
           <p:nvPr/>
         </p:nvCxnSpPr>
         <p:spPr>
-          <a:xfrm flipH="1">
-            <a:off x="6599292" y="2417108"/>
-            <a:ext cx="297692" cy="775144"/>
+          <a:xfrm>
+            <a:off x="7573426" y="2432497"/>
+            <a:ext cx="152107" cy="601402"/>
           </a:xfrm>
           <a:prstGeom prst="line">
             <a:avLst/>
           </a:prstGeom>
+          <a:ln>
+            <a:solidFill>
+              <a:schemeClr val="accent4"/>
+            </a:solidFill>
+          </a:ln>
         </p:spPr>
         <p:style>
           <a:lnRef idx="1">
@@ -3637,12 +3647,17 @@
         </p:nvCxnSpPr>
         <p:spPr>
           <a:xfrm>
-            <a:off x="6896984" y="2417108"/>
-            <a:ext cx="366311" cy="791636"/>
+            <a:off x="7573426" y="2432497"/>
+            <a:ext cx="773721" cy="619888"/>
           </a:xfrm>
           <a:prstGeom prst="line">
             <a:avLst/>
           </a:prstGeom>
+          <a:ln>
+            <a:solidFill>
+              <a:schemeClr val="accent4"/>
+            </a:solidFill>
+          </a:ln>
         </p:spPr>
         <p:style>
           <a:lnRef idx="1">
@@ -3659,78 +3674,6 @@
           </a:fontRef>
         </p:style>
       </p:cxnSp>
-      <p:sp>
-        <p:nvSpPr>
-          <p:cNvPr id="146" name="CuadroTexto 145">
-            <a:extLst>
-              <a:ext uri="{FF2B5EF4-FFF2-40B4-BE49-F238E27FC236}">
-                <a16:creationId xmlns:a16="http://schemas.microsoft.com/office/drawing/2014/main" id="{0CAA9EED-1614-4270-8448-5FB8584A4B83}"/>
-              </a:ext>
-            </a:extLst>
-          </p:cNvPr>
-          <p:cNvSpPr txBox="1"/>
-          <p:nvPr/>
-        </p:nvSpPr>
-        <p:spPr>
-          <a:xfrm>
-            <a:off x="8424508" y="4297810"/>
-            <a:ext cx="248786" cy="276999"/>
-          </a:xfrm>
-          <a:prstGeom prst="rect">
-            <a:avLst/>
-          </a:prstGeom>
-          <a:noFill/>
-        </p:spPr>
-        <p:txBody>
-          <a:bodyPr wrap="none" rtlCol="0">
-            <a:spAutoFit/>
-          </a:bodyPr>
-          <a:lstStyle/>
-          <a:p>
-            <a:r>
-              <a:rPr lang="es-ES" sz="1200" dirty="0"/>
-              <a:t>”</a:t>
-            </a:r>
-            <a:endParaRPr lang="en-US" sz="1200" dirty="0"/>
-          </a:p>
-        </p:txBody>
-      </p:sp>
-      <p:sp>
-        <p:nvSpPr>
-          <p:cNvPr id="150" name="CuadroTexto 149">
-            <a:extLst>
-              <a:ext uri="{FF2B5EF4-FFF2-40B4-BE49-F238E27FC236}">
-                <a16:creationId xmlns:a16="http://schemas.microsoft.com/office/drawing/2014/main" id="{8F54C16E-E1B8-4ED2-B2D9-3F46799D791E}"/>
-              </a:ext>
-            </a:extLst>
-          </p:cNvPr>
-          <p:cNvSpPr txBox="1"/>
-          <p:nvPr/>
-        </p:nvSpPr>
-        <p:spPr>
-          <a:xfrm>
-            <a:off x="5917136" y="4314233"/>
-            <a:ext cx="248786" cy="276999"/>
-          </a:xfrm>
-          <a:prstGeom prst="rect">
-            <a:avLst/>
-          </a:prstGeom>
-          <a:noFill/>
-        </p:spPr>
-        <p:txBody>
-          <a:bodyPr wrap="none" rtlCol="0">
-            <a:spAutoFit/>
-          </a:bodyPr>
-          <a:lstStyle/>
-          <a:p>
-            <a:r>
-              <a:rPr lang="es-ES" sz="1200" dirty="0"/>
-              <a:t>“</a:t>
-            </a:r>
-            <a:endParaRPr lang="en-US" sz="1200" dirty="0"/>
-          </a:p>
-        </p:txBody>
-      </p:sp>
       <p:sp>
         <p:nvSpPr>
           <p:cNvPr id="152" name="Rectángulo 151">
@@ -3745,8 +3688,8 @@
         </p:nvSpPr>
         <p:spPr>
           <a:xfrm>
-            <a:off x="5861833" y="4306073"/>
-            <a:ext cx="2796887" cy="276999"/>
+            <a:off x="6948703" y="5187851"/>
+            <a:ext cx="2796887" cy="292388"/>
           </a:xfrm>
           <a:prstGeom prst="rect">
             <a:avLst/>
@@ -3760,130 +3703,21 @@
           <a:p>
             <a:pPr algn="ctr"/>
             <a:r>
-              <a:rPr lang="en-US" sz="1200" dirty="0"/>
-              <a:t>Contrasenia correcta. Bienvenido</a:t>
-            </a:r>
-          </a:p>
-        </p:txBody>
-      </p:sp>
-      <p:cxnSp>
-        <p:nvCxnSpPr>
-          <p:cNvPr id="176" name="Conector recto 175">
-            <a:extLst>
-              <a:ext uri="{FF2B5EF4-FFF2-40B4-BE49-F238E27FC236}">
-                <a16:creationId xmlns:a16="http://schemas.microsoft.com/office/drawing/2014/main" id="{FD5692B3-93F3-4F59-A80D-59DF933D9916}"/>
-              </a:ext>
-            </a:extLst>
-          </p:cNvPr>
-          <p:cNvCxnSpPr>
-            <a:stCxn id="128" idx="2"/>
-            <a:endCxn id="146" idx="0"/>
-          </p:cNvCxnSpPr>
-          <p:nvPr/>
-        </p:nvCxnSpPr>
-        <p:spPr>
-          <a:xfrm>
-            <a:off x="7263295" y="3485743"/>
-            <a:ext cx="1285606" cy="812067"/>
-          </a:xfrm>
-          <a:prstGeom prst="line">
-            <a:avLst/>
-          </a:prstGeom>
-        </p:spPr>
-        <p:style>
-          <a:lnRef idx="1">
-            <a:schemeClr val="accent1"/>
-          </a:lnRef>
-          <a:fillRef idx="0">
-            <a:schemeClr val="accent1"/>
-          </a:fillRef>
-          <a:effectRef idx="0">
-            <a:schemeClr val="accent1"/>
-          </a:effectRef>
-          <a:fontRef idx="minor">
-            <a:schemeClr val="tx1"/>
-          </a:fontRef>
-        </p:style>
-      </p:cxnSp>
-      <p:cxnSp>
-        <p:nvCxnSpPr>
-          <p:cNvPr id="177" name="Conector recto 176">
-            <a:extLst>
-              <a:ext uri="{FF2B5EF4-FFF2-40B4-BE49-F238E27FC236}">
-                <a16:creationId xmlns:a16="http://schemas.microsoft.com/office/drawing/2014/main" id="{F2167700-BFC8-4F17-B04F-95D80F435B3E}"/>
-              </a:ext>
-            </a:extLst>
-          </p:cNvPr>
-          <p:cNvCxnSpPr>
-            <a:cxnSpLocks/>
-            <a:stCxn id="128" idx="2"/>
-            <a:endCxn id="152" idx="0"/>
-          </p:cNvCxnSpPr>
-          <p:nvPr/>
-        </p:nvCxnSpPr>
-        <p:spPr>
-          <a:xfrm flipH="1">
-            <a:off x="7260277" y="3485743"/>
-            <a:ext cx="3018" cy="820330"/>
-          </a:xfrm>
-          <a:prstGeom prst="line">
-            <a:avLst/>
-          </a:prstGeom>
-        </p:spPr>
-        <p:style>
-          <a:lnRef idx="1">
-            <a:schemeClr val="accent1"/>
-          </a:lnRef>
-          <a:fillRef idx="0">
-            <a:schemeClr val="accent1"/>
-          </a:fillRef>
-          <a:effectRef idx="0">
-            <a:schemeClr val="accent1"/>
-          </a:effectRef>
-          <a:fontRef idx="minor">
-            <a:schemeClr val="tx1"/>
-          </a:fontRef>
-        </p:style>
-      </p:cxnSp>
-      <p:cxnSp>
-        <p:nvCxnSpPr>
-          <p:cNvPr id="178" name="Conector recto 177">
-            <a:extLst>
-              <a:ext uri="{FF2B5EF4-FFF2-40B4-BE49-F238E27FC236}">
-                <a16:creationId xmlns:a16="http://schemas.microsoft.com/office/drawing/2014/main" id="{65DED3C5-4278-4D4F-8BB8-C15054CCC33D}"/>
-              </a:ext>
-            </a:extLst>
-          </p:cNvPr>
-          <p:cNvCxnSpPr>
-            <a:stCxn id="128" idx="2"/>
-            <a:endCxn id="150" idx="0"/>
-          </p:cNvCxnSpPr>
-          <p:nvPr/>
-        </p:nvCxnSpPr>
-        <p:spPr>
-          <a:xfrm flipH="1">
-            <a:off x="6041529" y="3485743"/>
-            <a:ext cx="1221766" cy="828490"/>
-          </a:xfrm>
-          <a:prstGeom prst="line">
-            <a:avLst/>
-          </a:prstGeom>
-        </p:spPr>
-        <p:style>
-          <a:lnRef idx="1">
-            <a:schemeClr val="accent1"/>
-          </a:lnRef>
-          <a:fillRef idx="0">
-            <a:schemeClr val="accent1"/>
-          </a:fillRef>
-          <a:effectRef idx="0">
-            <a:schemeClr val="accent1"/>
-          </a:effectRef>
-          <a:fontRef idx="minor">
-            <a:schemeClr val="tx1"/>
-          </a:fontRef>
-        </p:style>
-      </p:cxnSp>
+              <a:rPr lang="en-US" sz="1300" dirty="0" smtClean="0"/>
+              <a:t>“Contrasenia </a:t>
+            </a:r>
+            <a:r>
+              <a:rPr lang="en-US" sz="1300" dirty="0"/>
+              <a:t>correcta. </a:t>
+            </a:r>
+            <a:r>
+              <a:rPr lang="en-US" sz="1300" dirty="0" smtClean="0"/>
+              <a:t>Bienvenido”</a:t>
+            </a:r>
+            <a:endParaRPr lang="en-US" sz="1300" dirty="0"/>
+          </a:p>
+        </p:txBody>
+      </p:sp>
       <p:sp>
         <p:nvSpPr>
           <p:cNvPr id="179" name="CuadroTexto 178">
@@ -3898,8 +3732,8 @@
         </p:nvSpPr>
         <p:spPr>
           <a:xfrm>
-            <a:off x="6448598" y="1234488"/>
-            <a:ext cx="889987" cy="276999"/>
+            <a:off x="7099579" y="1233498"/>
+            <a:ext cx="947695" cy="292388"/>
           </a:xfrm>
           <a:prstGeom prst="rect">
             <a:avLst/>
@@ -3913,10 +3747,10 @@
           <a:lstStyle/>
           <a:p>
             <a:r>
-              <a:rPr lang="es-ES" sz="1200" dirty="0"/>
+              <a:rPr lang="es-ES" sz="1300" dirty="0"/>
               <a:t>SENTENCIA</a:t>
             </a:r>
-            <a:endParaRPr lang="en-US" sz="1200" dirty="0"/>
+            <a:endParaRPr lang="en-US" sz="1300" dirty="0"/>
           </a:p>
         </p:txBody>
       </p:sp>
@@ -3935,7 +3769,7 @@
         <p:spPr>
           <a:xfrm>
             <a:off x="6067091" y="1239677"/>
-            <a:ext cx="232756" cy="276999"/>
+            <a:ext cx="237566" cy="292388"/>
           </a:xfrm>
           <a:prstGeom prst="rect">
             <a:avLst/>
@@ -3949,10 +3783,10 @@
           <a:lstStyle/>
           <a:p>
             <a:r>
-              <a:rPr lang="es-ES" sz="1200" dirty="0"/>
+              <a:rPr lang="es-ES" sz="1300" dirty="0"/>
               <a:t>{</a:t>
             </a:r>
-            <a:endParaRPr lang="en-US" sz="1200" dirty="0"/>
+            <a:endParaRPr lang="en-US" sz="1300" dirty="0"/>
           </a:p>
         </p:txBody>
       </p:sp>
@@ -3970,8 +3804,8 @@
         </p:nvSpPr>
         <p:spPr>
           <a:xfrm>
-            <a:off x="7567593" y="1234488"/>
-            <a:ext cx="232756" cy="276999"/>
+            <a:off x="8218574" y="1233498"/>
+            <a:ext cx="237566" cy="292388"/>
           </a:xfrm>
           <a:prstGeom prst="rect">
             <a:avLst/>
@@ -3985,210 +3819,10 @@
           <a:lstStyle/>
           <a:p>
             <a:r>
-              <a:rPr lang="es-ES" sz="1200" dirty="0"/>
+              <a:rPr lang="es-ES" sz="1300" dirty="0"/>
               <a:t>}</a:t>
             </a:r>
-            <a:endParaRPr lang="en-US" sz="1200" dirty="0"/>
-          </a:p>
-        </p:txBody>
-      </p:sp>
-      <p:sp>
-        <p:nvSpPr>
-          <p:cNvPr id="183" name="Subtítulo 2">
-            <a:extLst>
-              <a:ext uri="{FF2B5EF4-FFF2-40B4-BE49-F238E27FC236}">
-                <a16:creationId xmlns:a16="http://schemas.microsoft.com/office/drawing/2014/main" id="{091402AF-634B-4CA0-A73C-5C0596759C59}"/>
-              </a:ext>
-            </a:extLst>
-          </p:cNvPr>
-          <p:cNvSpPr txBox="1">
-            <a:spLocks/>
-          </p:cNvSpPr>
-          <p:nvPr/>
-        </p:nvSpPr>
-        <p:spPr>
-          <a:xfrm>
-            <a:off x="7793780" y="3235810"/>
-            <a:ext cx="621026" cy="505728"/>
-          </a:xfrm>
-          <a:prstGeom prst="rect">
-            <a:avLst/>
-          </a:prstGeom>
-        </p:spPr>
-        <p:txBody>
-          <a:bodyPr vert="horz" lIns="91440" tIns="45720" rIns="91440" bIns="45720" rtlCol="0">
-            <a:normAutofit/>
-          </a:bodyPr>
-          <a:lstStyle>
-            <a:lvl1pPr marL="0" indent="0" algn="ctr" defTabSz="914400" rtl="0" eaLnBrk="1" latinLnBrk="0" hangingPunct="1">
-              <a:lnSpc>
-                <a:spcPct val="90000"/>
-              </a:lnSpc>
-              <a:spcBef>
-                <a:spcPts val="1000"/>
-              </a:spcBef>
-              <a:buFont typeface="Arial" panose="020B0604020202020204" pitchFamily="34" charset="0"/>
-              <a:buNone/>
-              <a:defRPr sz="2400" kern="1200">
-                <a:solidFill>
-                  <a:schemeClr val="tx1"/>
-                </a:solidFill>
-                <a:latin typeface="+mn-lt"/>
-                <a:ea typeface="+mn-ea"/>
-                <a:cs typeface="+mn-cs"/>
-              </a:defRPr>
-            </a:lvl1pPr>
-            <a:lvl2pPr marL="457200" indent="0" algn="ctr" defTabSz="914400" rtl="0" eaLnBrk="1" latinLnBrk="0" hangingPunct="1">
-              <a:lnSpc>
-                <a:spcPct val="90000"/>
-              </a:lnSpc>
-              <a:spcBef>
-                <a:spcPts val="500"/>
-              </a:spcBef>
-              <a:buFont typeface="Arial" panose="020B0604020202020204" pitchFamily="34" charset="0"/>
-              <a:buNone/>
-              <a:defRPr sz="2000" kern="1200">
-                <a:solidFill>
-                  <a:schemeClr val="tx1"/>
-                </a:solidFill>
-                <a:latin typeface="+mn-lt"/>
-                <a:ea typeface="+mn-ea"/>
-                <a:cs typeface="+mn-cs"/>
-              </a:defRPr>
-            </a:lvl2pPr>
-            <a:lvl3pPr marL="914400" indent="0" algn="ctr" defTabSz="914400" rtl="0" eaLnBrk="1" latinLnBrk="0" hangingPunct="1">
-              <a:lnSpc>
-                <a:spcPct val="90000"/>
-              </a:lnSpc>
-              <a:spcBef>
-                <a:spcPts val="500"/>
-              </a:spcBef>
-              <a:buFont typeface="Arial" panose="020B0604020202020204" pitchFamily="34" charset="0"/>
-              <a:buNone/>
-              <a:defRPr sz="1800" kern="1200">
-                <a:solidFill>
-                  <a:schemeClr val="tx1"/>
-                </a:solidFill>
-                <a:latin typeface="+mn-lt"/>
-                <a:ea typeface="+mn-ea"/>
-                <a:cs typeface="+mn-cs"/>
-              </a:defRPr>
-            </a:lvl3pPr>
-            <a:lvl4pPr marL="1371600" indent="0" algn="ctr" defTabSz="914400" rtl="0" eaLnBrk="1" latinLnBrk="0" hangingPunct="1">
-              <a:lnSpc>
-                <a:spcPct val="90000"/>
-              </a:lnSpc>
-              <a:spcBef>
-                <a:spcPts val="500"/>
-              </a:spcBef>
-              <a:buFont typeface="Arial" panose="020B0604020202020204" pitchFamily="34" charset="0"/>
-              <a:buNone/>
-              <a:defRPr sz="1600" kern="1200">
-                <a:solidFill>
-                  <a:schemeClr val="tx1"/>
-                </a:solidFill>
-                <a:latin typeface="+mn-lt"/>
-                <a:ea typeface="+mn-ea"/>
-                <a:cs typeface="+mn-cs"/>
-              </a:defRPr>
-            </a:lvl4pPr>
-            <a:lvl5pPr marL="1828800" indent="0" algn="ctr" defTabSz="914400" rtl="0" eaLnBrk="1" latinLnBrk="0" hangingPunct="1">
-              <a:lnSpc>
-                <a:spcPct val="90000"/>
-              </a:lnSpc>
-              <a:spcBef>
-                <a:spcPts val="500"/>
-              </a:spcBef>
-              <a:buFont typeface="Arial" panose="020B0604020202020204" pitchFamily="34" charset="0"/>
-              <a:buNone/>
-              <a:defRPr sz="1600" kern="1200">
-                <a:solidFill>
-                  <a:schemeClr val="tx1"/>
-                </a:solidFill>
-                <a:latin typeface="+mn-lt"/>
-                <a:ea typeface="+mn-ea"/>
-                <a:cs typeface="+mn-cs"/>
-              </a:defRPr>
-            </a:lvl5pPr>
-            <a:lvl6pPr marL="2286000" indent="0" algn="ctr" defTabSz="914400" rtl="0" eaLnBrk="1" latinLnBrk="0" hangingPunct="1">
-              <a:lnSpc>
-                <a:spcPct val="90000"/>
-              </a:lnSpc>
-              <a:spcBef>
-                <a:spcPts val="500"/>
-              </a:spcBef>
-              <a:buFont typeface="Arial" panose="020B0604020202020204" pitchFamily="34" charset="0"/>
-              <a:buNone/>
-              <a:defRPr sz="1600" kern="1200">
-                <a:solidFill>
-                  <a:schemeClr val="tx1"/>
-                </a:solidFill>
-                <a:latin typeface="+mn-lt"/>
-                <a:ea typeface="+mn-ea"/>
-                <a:cs typeface="+mn-cs"/>
-              </a:defRPr>
-            </a:lvl6pPr>
-            <a:lvl7pPr marL="2743200" indent="0" algn="ctr" defTabSz="914400" rtl="0" eaLnBrk="1" latinLnBrk="0" hangingPunct="1">
-              <a:lnSpc>
-                <a:spcPct val="90000"/>
-              </a:lnSpc>
-              <a:spcBef>
-                <a:spcPts val="500"/>
-              </a:spcBef>
-              <a:buFont typeface="Arial" panose="020B0604020202020204" pitchFamily="34" charset="0"/>
-              <a:buNone/>
-              <a:defRPr sz="1600" kern="1200">
-                <a:solidFill>
-                  <a:schemeClr val="tx1"/>
-                </a:solidFill>
-                <a:latin typeface="+mn-lt"/>
-                <a:ea typeface="+mn-ea"/>
-                <a:cs typeface="+mn-cs"/>
-              </a:defRPr>
-            </a:lvl7pPr>
-            <a:lvl8pPr marL="3200400" indent="0" algn="ctr" defTabSz="914400" rtl="0" eaLnBrk="1" latinLnBrk="0" hangingPunct="1">
-              <a:lnSpc>
-                <a:spcPct val="90000"/>
-              </a:lnSpc>
-              <a:spcBef>
-                <a:spcPts val="500"/>
-              </a:spcBef>
-              <a:buFont typeface="Arial" panose="020B0604020202020204" pitchFamily="34" charset="0"/>
-              <a:buNone/>
-              <a:defRPr sz="1600" kern="1200">
-                <a:solidFill>
-                  <a:schemeClr val="tx1"/>
-                </a:solidFill>
-                <a:latin typeface="+mn-lt"/>
-                <a:ea typeface="+mn-ea"/>
-                <a:cs typeface="+mn-cs"/>
-              </a:defRPr>
-            </a:lvl8pPr>
-            <a:lvl9pPr marL="3657600" indent="0" algn="ctr" defTabSz="914400" rtl="0" eaLnBrk="1" latinLnBrk="0" hangingPunct="1">
-              <a:lnSpc>
-                <a:spcPct val="90000"/>
-              </a:lnSpc>
-              <a:spcBef>
-                <a:spcPts val="500"/>
-              </a:spcBef>
-              <a:buFont typeface="Arial" panose="020B0604020202020204" pitchFamily="34" charset="0"/>
-              <a:buNone/>
-              <a:defRPr sz="1600" kern="1200">
-                <a:solidFill>
-                  <a:schemeClr val="tx1"/>
-                </a:solidFill>
-                <a:latin typeface="+mn-lt"/>
-                <a:ea typeface="+mn-ea"/>
-                <a:cs typeface="+mn-cs"/>
-              </a:defRPr>
-            </a:lvl9pPr>
-          </a:lstStyle>
-          <a:p>
-            <a:r>
-              <a:rPr lang="es-ES" sz="1200" dirty="0"/>
-              <a:t>;</a:t>
-            </a:r>
-            <a:endParaRPr lang="en-US" sz="1200" dirty="0"/>
+            <a:endParaRPr lang="en-US" sz="1300" dirty="0"/>
           </a:p>
         </p:txBody>
       </p:sp>
@@ -4206,8 +3840,8 @@
         </p:nvSpPr>
         <p:spPr>
           <a:xfrm>
-            <a:off x="1328887" y="2145892"/>
-            <a:ext cx="2539541" cy="276999"/>
+            <a:off x="2100796" y="2140109"/>
+            <a:ext cx="2732030" cy="292388"/>
           </a:xfrm>
           <a:prstGeom prst="rect">
             <a:avLst/>
@@ -4221,7 +3855,7 @@
           <a:lstStyle/>
           <a:p>
             <a:r>
-              <a:rPr lang="en-US" sz="1200" dirty="0"/>
+              <a:rPr lang="en-US" sz="1300" dirty="0"/>
               <a:t>SENTENCIA_BOOLEANA_COMPUESTA</a:t>
             </a:r>
           </a:p>
@@ -4241,8 +3875,8 @@
         </p:nvSpPr>
         <p:spPr>
           <a:xfrm>
-            <a:off x="743723" y="3289162"/>
-            <a:ext cx="969568" cy="646331"/>
+            <a:off x="1" y="3049086"/>
+            <a:ext cx="2431234" cy="292388"/>
           </a:xfrm>
           <a:prstGeom prst="rect">
             <a:avLst/>
@@ -4256,7 +3890,7 @@
           <a:lstStyle/>
           <a:p>
             <a:r>
-              <a:rPr lang="en-US" sz="1200" dirty="0"/>
+              <a:rPr lang="en-US" sz="1300" dirty="0"/>
               <a:t>SENTENCIA_BOOLEANA_SIMPLE</a:t>
             </a:r>
           </a:p>
@@ -4276,8 +3910,8 @@
         </p:nvSpPr>
         <p:spPr>
           <a:xfrm>
-            <a:off x="3516126" y="3289164"/>
-            <a:ext cx="890009" cy="646331"/>
+            <a:off x="4374306" y="3048557"/>
+            <a:ext cx="2370504" cy="292388"/>
           </a:xfrm>
           <a:prstGeom prst="rect">
             <a:avLst/>
@@ -4291,7 +3925,7 @@
           <a:lstStyle/>
           <a:p>
             <a:r>
-              <a:rPr lang="en-US" sz="1200" dirty="0"/>
+              <a:rPr lang="en-US" sz="1300" dirty="0"/>
               <a:t>SENTENCIA_BOOLEANA_SIMPLE</a:t>
             </a:r>
           </a:p>
@@ -4311,8 +3945,8 @@
         </p:nvSpPr>
         <p:spPr>
           <a:xfrm>
-            <a:off x="2120167" y="3289024"/>
-            <a:ext cx="956981" cy="646331"/>
+            <a:off x="2527851" y="3031415"/>
+            <a:ext cx="1877919" cy="292388"/>
           </a:xfrm>
           <a:prstGeom prst="rect">
             <a:avLst/>
@@ -4326,10 +3960,10 @@
           <a:lstStyle/>
           <a:p>
             <a:r>
-              <a:rPr lang="es-ES" sz="1200" dirty="0"/>
+              <a:rPr lang="es-ES" sz="1300" dirty="0"/>
               <a:t>OPERADOR_RELACIONAL</a:t>
             </a:r>
-            <a:endParaRPr lang="en-US" sz="1200" dirty="0"/>
+            <a:endParaRPr lang="en-US" sz="1300" dirty="0"/>
           </a:p>
         </p:txBody>
       </p:sp>
@@ -4351,12 +3985,17 @@
         </p:nvCxnSpPr>
         <p:spPr>
           <a:xfrm flipH="1">
-            <a:off x="1228507" y="2422891"/>
-            <a:ext cx="1370151" cy="866271"/>
+            <a:off x="1215618" y="2432497"/>
+            <a:ext cx="2251193" cy="616589"/>
           </a:xfrm>
           <a:prstGeom prst="line">
             <a:avLst/>
           </a:prstGeom>
+          <a:ln>
+            <a:solidFill>
+              <a:schemeClr val="accent6"/>
+            </a:solidFill>
+          </a:ln>
         </p:spPr>
         <p:style>
           <a:lnRef idx="1">
@@ -4391,12 +4030,17 @@
         </p:nvCxnSpPr>
         <p:spPr>
           <a:xfrm>
-            <a:off x="2598658" y="2422891"/>
-            <a:ext cx="0" cy="866133"/>
+            <a:off x="3466811" y="2432497"/>
+            <a:ext cx="0" cy="598918"/>
           </a:xfrm>
           <a:prstGeom prst="line">
             <a:avLst/>
           </a:prstGeom>
+          <a:ln>
+            <a:solidFill>
+              <a:schemeClr val="accent6"/>
+            </a:solidFill>
+          </a:ln>
         </p:spPr>
         <p:style>
           <a:lnRef idx="1">
@@ -4431,12 +4075,17 @@
         </p:nvCxnSpPr>
         <p:spPr>
           <a:xfrm>
-            <a:off x="2598658" y="2422891"/>
-            <a:ext cx="1362473" cy="866273"/>
+            <a:off x="3466811" y="2432497"/>
+            <a:ext cx="2092747" cy="616060"/>
           </a:xfrm>
           <a:prstGeom prst="line">
             <a:avLst/>
           </a:prstGeom>
+          <a:ln>
+            <a:solidFill>
+              <a:schemeClr val="accent6"/>
+            </a:solidFill>
+          </a:ln>
         </p:spPr>
         <p:style>
           <a:lnRef idx="1">
@@ -4467,8 +4116,8 @@
         </p:nvSpPr>
         <p:spPr>
           <a:xfrm>
-            <a:off x="568913" y="4288116"/>
-            <a:ext cx="1311706" cy="276999"/>
+            <a:off x="513342" y="4291882"/>
+            <a:ext cx="1404552" cy="292388"/>
           </a:xfrm>
           <a:prstGeom prst="rect">
             <a:avLst/>
@@ -4481,7 +4130,7 @@
           <a:lstStyle/>
           <a:p>
             <a:r>
-              <a:rPr lang="en-US" sz="1200" dirty="0"/>
+              <a:rPr lang="en-US" sz="1300" dirty="0"/>
               <a:t>IDENTIFICADORES</a:t>
             </a:r>
           </a:p>
@@ -4501,8 +4150,8 @@
         </p:nvSpPr>
         <p:spPr>
           <a:xfrm>
-            <a:off x="834018" y="5090962"/>
-            <a:ext cx="781496" cy="276999"/>
+            <a:off x="795691" y="5187851"/>
+            <a:ext cx="832407" cy="292388"/>
           </a:xfrm>
           <a:prstGeom prst="rect">
             <a:avLst/>
@@ -4516,7 +4165,7 @@
           <a:lstStyle/>
           <a:p>
             <a:r>
-              <a:rPr lang="en-US" sz="1200" dirty="0"/>
+              <a:rPr lang="en-US" sz="1300" dirty="0"/>
               <a:t>password</a:t>
             </a:r>
           </a:p>
@@ -4536,8 +4185,8 @@
         </p:nvSpPr>
         <p:spPr>
           <a:xfrm>
-            <a:off x="2429380" y="4291883"/>
-            <a:ext cx="338554" cy="276999"/>
+            <a:off x="3263705" y="4280614"/>
+            <a:ext cx="401257" cy="292388"/>
           </a:xfrm>
           <a:prstGeom prst="rect">
             <a:avLst/>
@@ -4545,16 +4194,16 @@
           <a:noFill/>
         </p:spPr>
         <p:txBody>
-          <a:bodyPr wrap="none" rtlCol="0">
+          <a:bodyPr wrap="square" rtlCol="0">
             <a:spAutoFit/>
           </a:bodyPr>
           <a:lstStyle/>
           <a:p>
             <a:r>
-              <a:rPr lang="es-ES" sz="1200" dirty="0"/>
+              <a:rPr lang="es-ES" sz="1300" dirty="0"/>
               <a:t>==</a:t>
             </a:r>
-            <a:endParaRPr lang="en-US" sz="1200" dirty="0"/>
+            <a:endParaRPr lang="en-US" sz="1300" dirty="0"/>
           </a:p>
         </p:txBody>
       </p:sp>
@@ -4576,8 +4225,8 @@
         </p:nvCxnSpPr>
         <p:spPr>
           <a:xfrm flipH="1">
-            <a:off x="2598657" y="3935355"/>
-            <a:ext cx="1" cy="356528"/>
+            <a:off x="3464334" y="3323803"/>
+            <a:ext cx="2477" cy="956811"/>
           </a:xfrm>
           <a:prstGeom prst="line">
             <a:avLst/>
@@ -4615,13 +4264,18 @@
           <p:nvPr/>
         </p:nvCxnSpPr>
         <p:spPr>
-          <a:xfrm flipH="1">
-            <a:off x="1224766" y="3935493"/>
-            <a:ext cx="3741" cy="352623"/>
+          <a:xfrm>
+            <a:off x="1215618" y="3341474"/>
+            <a:ext cx="0" cy="950408"/>
           </a:xfrm>
           <a:prstGeom prst="line">
             <a:avLst/>
           </a:prstGeom>
+          <a:ln>
+            <a:solidFill>
+              <a:schemeClr val="accent2"/>
+            </a:solidFill>
+          </a:ln>
         </p:spPr>
         <p:style>
           <a:lnRef idx="1">
@@ -4654,240 +4308,18 @@
           <p:nvPr/>
         </p:nvCxnSpPr>
         <p:spPr>
-          <a:xfrm>
-            <a:off x="1224766" y="4565115"/>
-            <a:ext cx="0" cy="525847"/>
+          <a:xfrm flipH="1">
+            <a:off x="1211895" y="4584270"/>
+            <a:ext cx="3723" cy="603581"/>
           </a:xfrm>
           <a:prstGeom prst="line">
             <a:avLst/>
           </a:prstGeom>
-        </p:spPr>
-        <p:style>
-          <a:lnRef idx="1">
-            <a:schemeClr val="accent1"/>
-          </a:lnRef>
-          <a:fillRef idx="0">
-            <a:schemeClr val="accent1"/>
-          </a:fillRef>
-          <a:effectRef idx="0">
-            <a:schemeClr val="accent1"/>
-          </a:effectRef>
-          <a:fontRef idx="minor">
-            <a:schemeClr val="tx1"/>
-          </a:fontRef>
-        </p:style>
-      </p:cxnSp>
-      <p:sp>
-        <p:nvSpPr>
-          <p:cNvPr id="210" name="CuadroTexto 209">
-            <a:extLst>
-              <a:ext uri="{FF2B5EF4-FFF2-40B4-BE49-F238E27FC236}">
-                <a16:creationId xmlns:a16="http://schemas.microsoft.com/office/drawing/2014/main" id="{E5FADD7D-1095-483B-9B21-8C3F1A135A02}"/>
-              </a:ext>
-            </a:extLst>
-          </p:cNvPr>
-          <p:cNvSpPr txBox="1"/>
-          <p:nvPr/>
-        </p:nvSpPr>
-        <p:spPr>
-          <a:xfrm>
-            <a:off x="4338835" y="4293904"/>
-            <a:ext cx="248786" cy="276999"/>
-          </a:xfrm>
-          <a:prstGeom prst="rect">
-            <a:avLst/>
-          </a:prstGeom>
-          <a:noFill/>
-        </p:spPr>
-        <p:txBody>
-          <a:bodyPr wrap="none" rtlCol="0">
-            <a:spAutoFit/>
-          </a:bodyPr>
-          <a:lstStyle/>
-          <a:p>
-            <a:r>
-              <a:rPr lang="es-ES" sz="1200" dirty="0"/>
-              <a:t>”</a:t>
-            </a:r>
-            <a:endParaRPr lang="en-US" sz="1200" dirty="0"/>
-          </a:p>
-        </p:txBody>
-      </p:sp>
-      <p:sp>
-        <p:nvSpPr>
-          <p:cNvPr id="212" name="CuadroTexto 211">
-            <a:extLst>
-              <a:ext uri="{FF2B5EF4-FFF2-40B4-BE49-F238E27FC236}">
-                <a16:creationId xmlns:a16="http://schemas.microsoft.com/office/drawing/2014/main" id="{96EDCC7C-C5D0-41F2-A75A-68F8E3AC4816}"/>
-              </a:ext>
-            </a:extLst>
-          </p:cNvPr>
-          <p:cNvSpPr txBox="1"/>
-          <p:nvPr/>
-        </p:nvSpPr>
-        <p:spPr>
-          <a:xfrm>
-            <a:off x="3345643" y="4291884"/>
-            <a:ext cx="248786" cy="276999"/>
-          </a:xfrm>
-          <a:prstGeom prst="rect">
-            <a:avLst/>
-          </a:prstGeom>
-          <a:noFill/>
-        </p:spPr>
-        <p:txBody>
-          <a:bodyPr wrap="none" rtlCol="0">
-            <a:spAutoFit/>
-          </a:bodyPr>
-          <a:lstStyle/>
-          <a:p>
-            <a:r>
-              <a:rPr lang="es-ES" sz="1200" dirty="0"/>
-              <a:t>“</a:t>
-            </a:r>
-            <a:endParaRPr lang="en-US" sz="1200" dirty="0"/>
-          </a:p>
-        </p:txBody>
-      </p:sp>
-      <p:sp>
-        <p:nvSpPr>
-          <p:cNvPr id="214" name="Rectángulo 213">
-            <a:extLst>
-              <a:ext uri="{FF2B5EF4-FFF2-40B4-BE49-F238E27FC236}">
-                <a16:creationId xmlns:a16="http://schemas.microsoft.com/office/drawing/2014/main" id="{2A72AB1E-A22B-44CC-95E2-98F7142578AA}"/>
-              </a:ext>
-            </a:extLst>
-          </p:cNvPr>
-          <p:cNvSpPr/>
-          <p:nvPr/>
-        </p:nvSpPr>
-        <p:spPr>
-          <a:xfrm>
-            <a:off x="3573735" y="4291883"/>
-            <a:ext cx="765100" cy="276999"/>
-          </a:xfrm>
-          <a:prstGeom prst="rect">
-            <a:avLst/>
-          </a:prstGeom>
-        </p:spPr>
-        <p:txBody>
-          <a:bodyPr wrap="square">
-            <a:spAutoFit/>
-          </a:bodyPr>
-          <a:lstStyle/>
-          <a:p>
-            <a:pPr algn="ctr"/>
-            <a:r>
-              <a:rPr lang="en-US" sz="1200" dirty="0"/>
-              <a:t>myClave</a:t>
-            </a:r>
-          </a:p>
-        </p:txBody>
-      </p:sp>
-      <p:cxnSp>
-        <p:nvCxnSpPr>
-          <p:cNvPr id="187" name="Conector recto 186">
-            <a:extLst>
-              <a:ext uri="{FF2B5EF4-FFF2-40B4-BE49-F238E27FC236}">
-                <a16:creationId xmlns:a16="http://schemas.microsoft.com/office/drawing/2014/main" id="{306AA1FE-683F-48B5-BBEC-F679A7EE244B}"/>
-              </a:ext>
-            </a:extLst>
-          </p:cNvPr>
-          <p:cNvCxnSpPr>
-            <a:cxnSpLocks/>
-            <a:stCxn id="193" idx="2"/>
-            <a:endCxn id="212" idx="0"/>
-          </p:cNvCxnSpPr>
-          <p:nvPr/>
-        </p:nvCxnSpPr>
-        <p:spPr>
-          <a:xfrm flipH="1">
-            <a:off x="3470036" y="3935495"/>
-            <a:ext cx="491095" cy="356389"/>
-          </a:xfrm>
-          <a:prstGeom prst="line">
-            <a:avLst/>
-          </a:prstGeom>
-        </p:spPr>
-        <p:style>
-          <a:lnRef idx="1">
-            <a:schemeClr val="accent1"/>
-          </a:lnRef>
-          <a:fillRef idx="0">
-            <a:schemeClr val="accent1"/>
-          </a:fillRef>
-          <a:effectRef idx="0">
-            <a:schemeClr val="accent1"/>
-          </a:effectRef>
-          <a:fontRef idx="minor">
-            <a:schemeClr val="tx1"/>
-          </a:fontRef>
-        </p:style>
-      </p:cxnSp>
-      <p:cxnSp>
-        <p:nvCxnSpPr>
-          <p:cNvPr id="189" name="Conector recto 188">
-            <a:extLst>
-              <a:ext uri="{FF2B5EF4-FFF2-40B4-BE49-F238E27FC236}">
-                <a16:creationId xmlns:a16="http://schemas.microsoft.com/office/drawing/2014/main" id="{C631977C-E4EC-4056-9FBC-43B11FCAEEF0}"/>
-              </a:ext>
-            </a:extLst>
-          </p:cNvPr>
-          <p:cNvCxnSpPr>
-            <a:cxnSpLocks/>
-            <a:stCxn id="193" idx="2"/>
-            <a:endCxn id="214" idx="0"/>
-          </p:cNvCxnSpPr>
-          <p:nvPr/>
-        </p:nvCxnSpPr>
-        <p:spPr>
-          <a:xfrm flipH="1">
-            <a:off x="3956285" y="3935495"/>
-            <a:ext cx="4846" cy="356388"/>
-          </a:xfrm>
-          <a:prstGeom prst="line">
-            <a:avLst/>
-          </a:prstGeom>
-        </p:spPr>
-        <p:style>
-          <a:lnRef idx="1">
-            <a:schemeClr val="accent1"/>
-          </a:lnRef>
-          <a:fillRef idx="0">
-            <a:schemeClr val="accent1"/>
-          </a:fillRef>
-          <a:effectRef idx="0">
-            <a:schemeClr val="accent1"/>
-          </a:effectRef>
-          <a:fontRef idx="minor">
-            <a:schemeClr val="tx1"/>
-          </a:fontRef>
-        </p:style>
-      </p:cxnSp>
-      <p:cxnSp>
-        <p:nvCxnSpPr>
-          <p:cNvPr id="208" name="Conector recto 207">
-            <a:extLst>
-              <a:ext uri="{FF2B5EF4-FFF2-40B4-BE49-F238E27FC236}">
-                <a16:creationId xmlns:a16="http://schemas.microsoft.com/office/drawing/2014/main" id="{BFA2A509-ABD6-4B3D-8714-E914A900609E}"/>
-              </a:ext>
-            </a:extLst>
-          </p:cNvPr>
-          <p:cNvCxnSpPr>
-            <a:cxnSpLocks/>
-            <a:stCxn id="193" idx="2"/>
-            <a:endCxn id="210" idx="0"/>
-          </p:cNvCxnSpPr>
-          <p:nvPr/>
-        </p:nvCxnSpPr>
-        <p:spPr>
-          <a:xfrm>
-            <a:off x="3961131" y="3935495"/>
-            <a:ext cx="502097" cy="358409"/>
-          </a:xfrm>
-          <a:prstGeom prst="line">
-            <a:avLst/>
-          </a:prstGeom>
+          <a:ln>
+            <a:solidFill>
+              <a:schemeClr val="accent4"/>
+            </a:solidFill>
+          </a:ln>
         </p:spPr>
         <p:style>
           <a:lnRef idx="1">
@@ -4920,9 +4352,9 @@
           <p:nvPr/>
         </p:nvCxnSpPr>
         <p:spPr>
-          <a:xfrm flipH="1">
-            <a:off x="6183469" y="641165"/>
-            <a:ext cx="179272" cy="598512"/>
+          <a:xfrm>
+            <a:off x="5861832" y="454375"/>
+            <a:ext cx="324042" cy="785302"/>
           </a:xfrm>
           <a:prstGeom prst="line">
             <a:avLst/>
@@ -4960,8 +4392,8 @@
         </p:nvCxnSpPr>
         <p:spPr>
           <a:xfrm>
-            <a:off x="6362741" y="641165"/>
-            <a:ext cx="530851" cy="593323"/>
+            <a:off x="5861832" y="454375"/>
+            <a:ext cx="1711595" cy="779123"/>
           </a:xfrm>
           <a:prstGeom prst="line">
             <a:avLst/>
@@ -4999,8 +4431,8 @@
         </p:nvCxnSpPr>
         <p:spPr>
           <a:xfrm>
-            <a:off x="6362741" y="641165"/>
-            <a:ext cx="1321230" cy="593323"/>
+            <a:off x="5861832" y="454375"/>
+            <a:ext cx="2475525" cy="779123"/>
           </a:xfrm>
           <a:prstGeom prst="line">
             <a:avLst/>
@@ -5037,13 +4469,18 @@
           <p:nvPr/>
         </p:nvCxnSpPr>
         <p:spPr>
-          <a:xfrm flipH="1">
-            <a:off x="2598658" y="1511487"/>
-            <a:ext cx="1587526" cy="634405"/>
+          <a:xfrm>
+            <a:off x="3457674" y="1525886"/>
+            <a:ext cx="9137" cy="614223"/>
           </a:xfrm>
           <a:prstGeom prst="line">
             <a:avLst/>
           </a:prstGeom>
+          <a:ln>
+            <a:solidFill>
+              <a:schemeClr val="accent4"/>
+            </a:solidFill>
+          </a:ln>
         </p:spPr>
         <p:style>
           <a:lnRef idx="1">
@@ -5076,13 +4513,18 @@
           <p:nvPr/>
         </p:nvCxnSpPr>
         <p:spPr>
-          <a:xfrm>
-            <a:off x="6893592" y="1511487"/>
-            <a:ext cx="3392" cy="628622"/>
+          <a:xfrm flipH="1">
+            <a:off x="7573426" y="1525886"/>
+            <a:ext cx="1" cy="614223"/>
           </a:xfrm>
           <a:prstGeom prst="line">
             <a:avLst/>
           </a:prstGeom>
+          <a:ln>
+            <a:solidFill>
+              <a:schemeClr val="accent2"/>
+            </a:solidFill>
+          </a:ln>
         </p:spPr>
         <p:style>
           <a:lnRef idx="1">
@@ -5113,8 +4555,8 @@
         </p:nvSpPr>
         <p:spPr>
           <a:xfrm>
-            <a:off x="7985525" y="1233499"/>
-            <a:ext cx="434734" cy="276999"/>
+            <a:off x="8636506" y="1232509"/>
+            <a:ext cx="455574" cy="292388"/>
           </a:xfrm>
           <a:prstGeom prst="rect">
             <a:avLst/>
@@ -5128,10 +4570,10 @@
           <a:lstStyle/>
           <a:p>
             <a:r>
-              <a:rPr lang="es-ES" sz="1200" dirty="0"/>
+              <a:rPr lang="es-ES" sz="1300" dirty="0"/>
               <a:t>else</a:t>
             </a:r>
-            <a:endParaRPr lang="en-US" sz="1200" dirty="0"/>
+            <a:endParaRPr lang="en-US" sz="1300" dirty="0"/>
           </a:p>
         </p:txBody>
       </p:sp>
@@ -5149,8 +4591,8 @@
         </p:nvSpPr>
         <p:spPr>
           <a:xfrm>
-            <a:off x="9048432" y="1226942"/>
-            <a:ext cx="889987" cy="276999"/>
+            <a:off x="10258758" y="1228236"/>
+            <a:ext cx="947695" cy="292388"/>
           </a:xfrm>
           <a:prstGeom prst="rect">
             <a:avLst/>
@@ -5164,10 +4606,10 @@
           <a:lstStyle/>
           <a:p>
             <a:r>
-              <a:rPr lang="es-ES" sz="1200" dirty="0"/>
+              <a:rPr lang="es-ES" sz="1300" dirty="0"/>
               <a:t>SENTENCIA</a:t>
             </a:r>
-            <a:endParaRPr lang="en-US" sz="1200" dirty="0"/>
+            <a:endParaRPr lang="en-US" sz="1300" dirty="0"/>
           </a:p>
         </p:txBody>
       </p:sp>
@@ -5185,8 +4627,8 @@
         </p:nvSpPr>
         <p:spPr>
           <a:xfrm>
-            <a:off x="8666925" y="1232131"/>
-            <a:ext cx="232756" cy="276999"/>
+            <a:off x="9527995" y="1232265"/>
+            <a:ext cx="237566" cy="292388"/>
           </a:xfrm>
           <a:prstGeom prst="rect">
             <a:avLst/>
@@ -5200,10 +4642,10 @@
           <a:lstStyle/>
           <a:p>
             <a:r>
-              <a:rPr lang="es-ES" sz="1200" dirty="0"/>
+              <a:rPr lang="es-ES" sz="1300" dirty="0"/>
               <a:t>{</a:t>
             </a:r>
-            <a:endParaRPr lang="en-US" sz="1200" dirty="0"/>
+            <a:endParaRPr lang="en-US" sz="1300" dirty="0"/>
           </a:p>
         </p:txBody>
       </p:sp>
@@ -5221,8 +4663,8 @@
         </p:nvSpPr>
         <p:spPr>
           <a:xfrm>
-            <a:off x="10167427" y="1226942"/>
-            <a:ext cx="232756" cy="276999"/>
+            <a:off x="11813279" y="1236482"/>
+            <a:ext cx="237566" cy="292388"/>
           </a:xfrm>
           <a:prstGeom prst="rect">
             <a:avLst/>
@@ -5236,10 +4678,10 @@
           <a:lstStyle/>
           <a:p>
             <a:r>
-              <a:rPr lang="es-ES" sz="1200" dirty="0"/>
+              <a:rPr lang="es-ES" sz="1300" dirty="0"/>
               <a:t>}</a:t>
             </a:r>
-            <a:endParaRPr lang="en-US" sz="1200" dirty="0"/>
+            <a:endParaRPr lang="en-US" sz="1300" dirty="0"/>
           </a:p>
         </p:txBody>
       </p:sp>
@@ -5260,8 +4702,8 @@
         </p:nvCxnSpPr>
         <p:spPr>
           <a:xfrm>
-            <a:off x="6362741" y="641165"/>
-            <a:ext cx="1840151" cy="592334"/>
+            <a:off x="5861832" y="454375"/>
+            <a:ext cx="3002461" cy="778134"/>
           </a:xfrm>
           <a:prstGeom prst="line">
             <a:avLst/>
@@ -5299,8 +4741,8 @@
         </p:nvCxnSpPr>
         <p:spPr>
           <a:xfrm>
-            <a:off x="6362741" y="641165"/>
-            <a:ext cx="2420562" cy="590966"/>
+            <a:off x="5861832" y="454375"/>
+            <a:ext cx="3784946" cy="777890"/>
           </a:xfrm>
           <a:prstGeom prst="line">
             <a:avLst/>
@@ -5338,8 +4780,8 @@
         </p:nvCxnSpPr>
         <p:spPr>
           <a:xfrm>
-            <a:off x="6362741" y="641165"/>
-            <a:ext cx="3130685" cy="585777"/>
+            <a:off x="5861832" y="454375"/>
+            <a:ext cx="4870774" cy="773861"/>
           </a:xfrm>
           <a:prstGeom prst="line">
             <a:avLst/>
@@ -5377,8 +4819,8 @@
         </p:nvCxnSpPr>
         <p:spPr>
           <a:xfrm>
-            <a:off x="6362741" y="641165"/>
-            <a:ext cx="3921064" cy="585777"/>
+            <a:off x="5861832" y="454375"/>
+            <a:ext cx="6070230" cy="782107"/>
           </a:xfrm>
           <a:prstGeom prst="line">
             <a:avLst/>
@@ -5413,8 +4855,8 @@
         </p:nvSpPr>
         <p:spPr>
           <a:xfrm>
-            <a:off x="9358842" y="2140109"/>
-            <a:ext cx="542393" cy="276999"/>
+            <a:off x="10447046" y="2140109"/>
+            <a:ext cx="571118" cy="292388"/>
           </a:xfrm>
           <a:prstGeom prst="rect">
             <a:avLst/>
@@ -5427,10 +4869,10 @@
           <a:lstStyle/>
           <a:p>
             <a:r>
-              <a:rPr lang="es-ES" sz="1200" dirty="0"/>
+              <a:rPr lang="es-ES" sz="1300" dirty="0"/>
               <a:t>COUT</a:t>
             </a:r>
-            <a:endParaRPr lang="en-US" sz="1200" dirty="0"/>
+            <a:endParaRPr lang="en-US" sz="1300" dirty="0"/>
           </a:p>
         </p:txBody>
       </p:sp>
@@ -5448,8 +4890,8 @@
         </p:nvSpPr>
         <p:spPr>
           <a:xfrm>
-            <a:off x="9990860" y="3206894"/>
-            <a:ext cx="628505" cy="276999"/>
+            <a:off x="11110689" y="3048541"/>
+            <a:ext cx="665118" cy="292388"/>
           </a:xfrm>
           <a:prstGeom prst="rect">
             <a:avLst/>
@@ -5462,7 +4904,7 @@
           <a:lstStyle/>
           <a:p>
             <a:r>
-              <a:rPr lang="en-US" sz="1200" dirty="0"/>
+              <a:rPr lang="en-US" sz="1300" dirty="0"/>
               <a:t>SALIDA</a:t>
             </a:r>
           </a:p>
@@ -5482,8 +4924,8 @@
         </p:nvSpPr>
         <p:spPr>
           <a:xfrm>
-            <a:off x="8811913" y="3190402"/>
-            <a:ext cx="482691" cy="276999"/>
+            <a:off x="9931742" y="3032049"/>
+            <a:ext cx="567086" cy="292388"/>
           </a:xfrm>
           <a:prstGeom prst="rect">
             <a:avLst/>
@@ -5496,7 +4938,7 @@
           <a:lstStyle/>
           <a:p>
             <a:r>
-              <a:rPr lang="en-US" sz="1200" dirty="0"/>
+              <a:rPr lang="en-US" sz="1300" dirty="0"/>
               <a:t>cout</a:t>
             </a:r>
           </a:p>
@@ -5516,8 +4958,8 @@
         </p:nvSpPr>
         <p:spPr>
           <a:xfrm>
-            <a:off x="9471833" y="3190402"/>
-            <a:ext cx="338554" cy="276999"/>
+            <a:off x="10591662" y="3032049"/>
+            <a:ext cx="351378" cy="292388"/>
           </a:xfrm>
           <a:prstGeom prst="rect">
             <a:avLst/>
@@ -5530,7 +4972,7 @@
           <a:lstStyle/>
           <a:p>
             <a:r>
-              <a:rPr lang="en-US" sz="1200" dirty="0"/>
+              <a:rPr lang="en-US" sz="1300" dirty="0"/>
               <a:t>&lt;&lt;</a:t>
             </a:r>
           </a:p>
@@ -5554,12 +4996,17 @@
         </p:nvCxnSpPr>
         <p:spPr>
           <a:xfrm flipH="1">
-            <a:off x="9053259" y="2417108"/>
-            <a:ext cx="576780" cy="773294"/>
+            <a:off x="10215285" y="2432497"/>
+            <a:ext cx="517320" cy="599552"/>
           </a:xfrm>
           <a:prstGeom prst="line">
             <a:avLst/>
           </a:prstGeom>
+          <a:ln>
+            <a:solidFill>
+              <a:schemeClr val="accent2"/>
+            </a:solidFill>
+          </a:ln>
         </p:spPr>
         <p:style>
           <a:lnRef idx="1">
@@ -5593,12 +5040,17 @@
         </p:nvCxnSpPr>
         <p:spPr>
           <a:xfrm>
-            <a:off x="9630039" y="2417108"/>
-            <a:ext cx="11071" cy="773294"/>
+            <a:off x="10732605" y="2432497"/>
+            <a:ext cx="34746" cy="599552"/>
           </a:xfrm>
           <a:prstGeom prst="line">
             <a:avLst/>
           </a:prstGeom>
+          <a:ln>
+            <a:solidFill>
+              <a:schemeClr val="accent2"/>
+            </a:solidFill>
+          </a:ln>
         </p:spPr>
         <p:style>
           <a:lnRef idx="1">
@@ -5632,12 +5084,17 @@
         </p:nvCxnSpPr>
         <p:spPr>
           <a:xfrm>
-            <a:off x="9630039" y="2417108"/>
-            <a:ext cx="675074" cy="789786"/>
+            <a:off x="10732605" y="2432497"/>
+            <a:ext cx="710643" cy="616044"/>
           </a:xfrm>
           <a:prstGeom prst="line">
             <a:avLst/>
           </a:prstGeom>
+          <a:ln>
+            <a:solidFill>
+              <a:schemeClr val="accent2"/>
+            </a:solidFill>
+          </a:ln>
         </p:spPr>
         <p:style>
           <a:lnRef idx="1">
@@ -5654,78 +5111,6 @@
           </a:fontRef>
         </p:style>
       </p:cxnSp>
-      <p:sp>
-        <p:nvSpPr>
-          <p:cNvPr id="186" name="CuadroTexto 185">
-            <a:extLst>
-              <a:ext uri="{FF2B5EF4-FFF2-40B4-BE49-F238E27FC236}">
-                <a16:creationId xmlns:a16="http://schemas.microsoft.com/office/drawing/2014/main" id="{7405FD0D-69EF-496B-8619-06E5EB7C8CE1}"/>
-              </a:ext>
-            </a:extLst>
-          </p:cNvPr>
-          <p:cNvSpPr txBox="1"/>
-          <p:nvPr/>
-        </p:nvSpPr>
-        <p:spPr>
-          <a:xfrm>
-            <a:off x="11476296" y="4195777"/>
-            <a:ext cx="248786" cy="276999"/>
-          </a:xfrm>
-          <a:prstGeom prst="rect">
-            <a:avLst/>
-          </a:prstGeom>
-          <a:noFill/>
-        </p:spPr>
-        <p:txBody>
-          <a:bodyPr wrap="none" rtlCol="0">
-            <a:spAutoFit/>
-          </a:bodyPr>
-          <a:lstStyle/>
-          <a:p>
-            <a:r>
-              <a:rPr lang="es-ES" sz="1200" dirty="0"/>
-              <a:t>”</a:t>
-            </a:r>
-            <a:endParaRPr lang="en-US" sz="1200" dirty="0"/>
-          </a:p>
-        </p:txBody>
-      </p:sp>
-      <p:sp>
-        <p:nvSpPr>
-          <p:cNvPr id="188" name="CuadroTexto 187">
-            <a:extLst>
-              <a:ext uri="{FF2B5EF4-FFF2-40B4-BE49-F238E27FC236}">
-                <a16:creationId xmlns:a16="http://schemas.microsoft.com/office/drawing/2014/main" id="{4DB31FEE-EB61-4510-A5A6-738D41ED131F}"/>
-              </a:ext>
-            </a:extLst>
-          </p:cNvPr>
-          <p:cNvSpPr txBox="1"/>
-          <p:nvPr/>
-        </p:nvSpPr>
-        <p:spPr>
-          <a:xfrm>
-            <a:off x="8968924" y="4212200"/>
-            <a:ext cx="248786" cy="276999"/>
-          </a:xfrm>
-          <a:prstGeom prst="rect">
-            <a:avLst/>
-          </a:prstGeom>
-          <a:noFill/>
-        </p:spPr>
-        <p:txBody>
-          <a:bodyPr wrap="none" rtlCol="0">
-            <a:spAutoFit/>
-          </a:bodyPr>
-          <a:lstStyle/>
-          <a:p>
-            <a:r>
-              <a:rPr lang="es-ES" sz="1200" dirty="0"/>
-              <a:t>“</a:t>
-            </a:r>
-            <a:endParaRPr lang="en-US" sz="1200" dirty="0"/>
-          </a:p>
-        </p:txBody>
-      </p:sp>
       <p:sp>
         <p:nvSpPr>
           <p:cNvPr id="190" name="Rectángulo 189">
@@ -5740,8 +5125,8 @@
         </p:nvSpPr>
         <p:spPr>
           <a:xfrm>
-            <a:off x="8913621" y="4204040"/>
-            <a:ext cx="2796887" cy="276999"/>
+            <a:off x="9979931" y="5187851"/>
+            <a:ext cx="2215990" cy="292388"/>
           </a:xfrm>
           <a:prstGeom prst="rect">
             <a:avLst/>
@@ -5755,327 +5140,18 @@
           <a:p>
             <a:pPr algn="ctr"/>
             <a:r>
-              <a:rPr lang="en-US" sz="1200" dirty="0"/>
-              <a:t>Contrasenia incorrecta.</a:t>
-            </a:r>
-          </a:p>
-        </p:txBody>
-      </p:sp>
-      <p:cxnSp>
-        <p:nvCxnSpPr>
-          <p:cNvPr id="201" name="Conector recto 200">
-            <a:extLst>
-              <a:ext uri="{FF2B5EF4-FFF2-40B4-BE49-F238E27FC236}">
-                <a16:creationId xmlns:a16="http://schemas.microsoft.com/office/drawing/2014/main" id="{2E9A0C0B-1153-4D88-A9AF-127310892B51}"/>
-              </a:ext>
-            </a:extLst>
-          </p:cNvPr>
-          <p:cNvCxnSpPr>
-            <a:stCxn id="173" idx="2"/>
-            <a:endCxn id="186" idx="0"/>
-          </p:cNvCxnSpPr>
-          <p:nvPr/>
-        </p:nvCxnSpPr>
-        <p:spPr>
-          <a:xfrm>
-            <a:off x="10305113" y="3483893"/>
-            <a:ext cx="1295576" cy="711884"/>
-          </a:xfrm>
-          <a:prstGeom prst="line">
-            <a:avLst/>
-          </a:prstGeom>
-        </p:spPr>
-        <p:style>
-          <a:lnRef idx="1">
-            <a:schemeClr val="accent1"/>
-          </a:lnRef>
-          <a:fillRef idx="0">
-            <a:schemeClr val="accent1"/>
-          </a:fillRef>
-          <a:effectRef idx="0">
-            <a:schemeClr val="accent1"/>
-          </a:effectRef>
-          <a:fontRef idx="minor">
-            <a:schemeClr val="tx1"/>
-          </a:fontRef>
-        </p:style>
-      </p:cxnSp>
-      <p:cxnSp>
-        <p:nvCxnSpPr>
-          <p:cNvPr id="202" name="Conector recto 201">
-            <a:extLst>
-              <a:ext uri="{FF2B5EF4-FFF2-40B4-BE49-F238E27FC236}">
-                <a16:creationId xmlns:a16="http://schemas.microsoft.com/office/drawing/2014/main" id="{AD11F800-7028-45EC-97F0-DAB2744D5EE1}"/>
-              </a:ext>
-            </a:extLst>
-          </p:cNvPr>
-          <p:cNvCxnSpPr>
-            <a:cxnSpLocks/>
-            <a:stCxn id="173" idx="2"/>
-            <a:endCxn id="190" idx="0"/>
-          </p:cNvCxnSpPr>
-          <p:nvPr/>
-        </p:nvCxnSpPr>
-        <p:spPr>
-          <a:xfrm>
-            <a:off x="10305113" y="3483893"/>
-            <a:ext cx="6952" cy="720147"/>
-          </a:xfrm>
-          <a:prstGeom prst="line">
-            <a:avLst/>
-          </a:prstGeom>
-        </p:spPr>
-        <p:style>
-          <a:lnRef idx="1">
-            <a:schemeClr val="accent1"/>
-          </a:lnRef>
-          <a:fillRef idx="0">
-            <a:schemeClr val="accent1"/>
-          </a:fillRef>
-          <a:effectRef idx="0">
-            <a:schemeClr val="accent1"/>
-          </a:effectRef>
-          <a:fontRef idx="minor">
-            <a:schemeClr val="tx1"/>
-          </a:fontRef>
-        </p:style>
-      </p:cxnSp>
-      <p:cxnSp>
-        <p:nvCxnSpPr>
-          <p:cNvPr id="205" name="Conector recto 204">
-            <a:extLst>
-              <a:ext uri="{FF2B5EF4-FFF2-40B4-BE49-F238E27FC236}">
-                <a16:creationId xmlns:a16="http://schemas.microsoft.com/office/drawing/2014/main" id="{CE056A9B-BF45-40DD-BC6B-EECFCE51E9C4}"/>
-              </a:ext>
-            </a:extLst>
-          </p:cNvPr>
-          <p:cNvCxnSpPr>
-            <a:stCxn id="173" idx="2"/>
-            <a:endCxn id="188" idx="0"/>
-          </p:cNvCxnSpPr>
-          <p:nvPr/>
-        </p:nvCxnSpPr>
-        <p:spPr>
-          <a:xfrm flipH="1">
-            <a:off x="9093317" y="3483893"/>
-            <a:ext cx="1211796" cy="728307"/>
-          </a:xfrm>
-          <a:prstGeom prst="line">
-            <a:avLst/>
-          </a:prstGeom>
-        </p:spPr>
-        <p:style>
-          <a:lnRef idx="1">
-            <a:schemeClr val="accent1"/>
-          </a:lnRef>
-          <a:fillRef idx="0">
-            <a:schemeClr val="accent1"/>
-          </a:fillRef>
-          <a:effectRef idx="0">
-            <a:schemeClr val="accent1"/>
-          </a:effectRef>
-          <a:fontRef idx="minor">
-            <a:schemeClr val="tx1"/>
-          </a:fontRef>
-        </p:style>
-      </p:cxnSp>
-      <p:sp>
-        <p:nvSpPr>
-          <p:cNvPr id="207" name="Subtítulo 2">
-            <a:extLst>
-              <a:ext uri="{FF2B5EF4-FFF2-40B4-BE49-F238E27FC236}">
-                <a16:creationId xmlns:a16="http://schemas.microsoft.com/office/drawing/2014/main" id="{4D4FE4DC-A906-47C6-A99B-8D88C976C8B0}"/>
-              </a:ext>
-            </a:extLst>
-          </p:cNvPr>
-          <p:cNvSpPr txBox="1">
-            <a:spLocks/>
-          </p:cNvSpPr>
-          <p:nvPr/>
-        </p:nvSpPr>
-        <p:spPr>
-          <a:xfrm>
-            <a:off x="10528824" y="3206894"/>
-            <a:ext cx="621026" cy="505728"/>
-          </a:xfrm>
-          <a:prstGeom prst="rect">
-            <a:avLst/>
-          </a:prstGeom>
-        </p:spPr>
-        <p:txBody>
-          <a:bodyPr vert="horz" lIns="91440" tIns="45720" rIns="91440" bIns="45720" rtlCol="0">
-            <a:normAutofit/>
-          </a:bodyPr>
-          <a:lstStyle>
-            <a:lvl1pPr marL="0" indent="0" algn="ctr" defTabSz="914400" rtl="0" eaLnBrk="1" latinLnBrk="0" hangingPunct="1">
-              <a:lnSpc>
-                <a:spcPct val="90000"/>
-              </a:lnSpc>
-              <a:spcBef>
-                <a:spcPts val="1000"/>
-              </a:spcBef>
-              <a:buFont typeface="Arial" panose="020B0604020202020204" pitchFamily="34" charset="0"/>
-              <a:buNone/>
-              <a:defRPr sz="2400" kern="1200">
-                <a:solidFill>
-                  <a:schemeClr val="tx1"/>
-                </a:solidFill>
-                <a:latin typeface="+mn-lt"/>
-                <a:ea typeface="+mn-ea"/>
-                <a:cs typeface="+mn-cs"/>
-              </a:defRPr>
-            </a:lvl1pPr>
-            <a:lvl2pPr marL="457200" indent="0" algn="ctr" defTabSz="914400" rtl="0" eaLnBrk="1" latinLnBrk="0" hangingPunct="1">
-              <a:lnSpc>
-                <a:spcPct val="90000"/>
-              </a:lnSpc>
-              <a:spcBef>
-                <a:spcPts val="500"/>
-              </a:spcBef>
-              <a:buFont typeface="Arial" panose="020B0604020202020204" pitchFamily="34" charset="0"/>
-              <a:buNone/>
-              <a:defRPr sz="2000" kern="1200">
-                <a:solidFill>
-                  <a:schemeClr val="tx1"/>
-                </a:solidFill>
-                <a:latin typeface="+mn-lt"/>
-                <a:ea typeface="+mn-ea"/>
-                <a:cs typeface="+mn-cs"/>
-              </a:defRPr>
-            </a:lvl2pPr>
-            <a:lvl3pPr marL="914400" indent="0" algn="ctr" defTabSz="914400" rtl="0" eaLnBrk="1" latinLnBrk="0" hangingPunct="1">
-              <a:lnSpc>
-                <a:spcPct val="90000"/>
-              </a:lnSpc>
-              <a:spcBef>
-                <a:spcPts val="500"/>
-              </a:spcBef>
-              <a:buFont typeface="Arial" panose="020B0604020202020204" pitchFamily="34" charset="0"/>
-              <a:buNone/>
-              <a:defRPr sz="1800" kern="1200">
-                <a:solidFill>
-                  <a:schemeClr val="tx1"/>
-                </a:solidFill>
-                <a:latin typeface="+mn-lt"/>
-                <a:ea typeface="+mn-ea"/>
-                <a:cs typeface="+mn-cs"/>
-              </a:defRPr>
-            </a:lvl3pPr>
-            <a:lvl4pPr marL="1371600" indent="0" algn="ctr" defTabSz="914400" rtl="0" eaLnBrk="1" latinLnBrk="0" hangingPunct="1">
-              <a:lnSpc>
-                <a:spcPct val="90000"/>
-              </a:lnSpc>
-              <a:spcBef>
-                <a:spcPts val="500"/>
-              </a:spcBef>
-              <a:buFont typeface="Arial" panose="020B0604020202020204" pitchFamily="34" charset="0"/>
-              <a:buNone/>
-              <a:defRPr sz="1600" kern="1200">
-                <a:solidFill>
-                  <a:schemeClr val="tx1"/>
-                </a:solidFill>
-                <a:latin typeface="+mn-lt"/>
-                <a:ea typeface="+mn-ea"/>
-                <a:cs typeface="+mn-cs"/>
-              </a:defRPr>
-            </a:lvl4pPr>
-            <a:lvl5pPr marL="1828800" indent="0" algn="ctr" defTabSz="914400" rtl="0" eaLnBrk="1" latinLnBrk="0" hangingPunct="1">
-              <a:lnSpc>
-                <a:spcPct val="90000"/>
-              </a:lnSpc>
-              <a:spcBef>
-                <a:spcPts val="500"/>
-              </a:spcBef>
-              <a:buFont typeface="Arial" panose="020B0604020202020204" pitchFamily="34" charset="0"/>
-              <a:buNone/>
-              <a:defRPr sz="1600" kern="1200">
-                <a:solidFill>
-                  <a:schemeClr val="tx1"/>
-                </a:solidFill>
-                <a:latin typeface="+mn-lt"/>
-                <a:ea typeface="+mn-ea"/>
-                <a:cs typeface="+mn-cs"/>
-              </a:defRPr>
-            </a:lvl5pPr>
-            <a:lvl6pPr marL="2286000" indent="0" algn="ctr" defTabSz="914400" rtl="0" eaLnBrk="1" latinLnBrk="0" hangingPunct="1">
-              <a:lnSpc>
-                <a:spcPct val="90000"/>
-              </a:lnSpc>
-              <a:spcBef>
-                <a:spcPts val="500"/>
-              </a:spcBef>
-              <a:buFont typeface="Arial" panose="020B0604020202020204" pitchFamily="34" charset="0"/>
-              <a:buNone/>
-              <a:defRPr sz="1600" kern="1200">
-                <a:solidFill>
-                  <a:schemeClr val="tx1"/>
-                </a:solidFill>
-                <a:latin typeface="+mn-lt"/>
-                <a:ea typeface="+mn-ea"/>
-                <a:cs typeface="+mn-cs"/>
-              </a:defRPr>
-            </a:lvl6pPr>
-            <a:lvl7pPr marL="2743200" indent="0" algn="ctr" defTabSz="914400" rtl="0" eaLnBrk="1" latinLnBrk="0" hangingPunct="1">
-              <a:lnSpc>
-                <a:spcPct val="90000"/>
-              </a:lnSpc>
-              <a:spcBef>
-                <a:spcPts val="500"/>
-              </a:spcBef>
-              <a:buFont typeface="Arial" panose="020B0604020202020204" pitchFamily="34" charset="0"/>
-              <a:buNone/>
-              <a:defRPr sz="1600" kern="1200">
-                <a:solidFill>
-                  <a:schemeClr val="tx1"/>
-                </a:solidFill>
-                <a:latin typeface="+mn-lt"/>
-                <a:ea typeface="+mn-ea"/>
-                <a:cs typeface="+mn-cs"/>
-              </a:defRPr>
-            </a:lvl7pPr>
-            <a:lvl8pPr marL="3200400" indent="0" algn="ctr" defTabSz="914400" rtl="0" eaLnBrk="1" latinLnBrk="0" hangingPunct="1">
-              <a:lnSpc>
-                <a:spcPct val="90000"/>
-              </a:lnSpc>
-              <a:spcBef>
-                <a:spcPts val="500"/>
-              </a:spcBef>
-              <a:buFont typeface="Arial" panose="020B0604020202020204" pitchFamily="34" charset="0"/>
-              <a:buNone/>
-              <a:defRPr sz="1600" kern="1200">
-                <a:solidFill>
-                  <a:schemeClr val="tx1"/>
-                </a:solidFill>
-                <a:latin typeface="+mn-lt"/>
-                <a:ea typeface="+mn-ea"/>
-                <a:cs typeface="+mn-cs"/>
-              </a:defRPr>
-            </a:lvl8pPr>
-            <a:lvl9pPr marL="3657600" indent="0" algn="ctr" defTabSz="914400" rtl="0" eaLnBrk="1" latinLnBrk="0" hangingPunct="1">
-              <a:lnSpc>
-                <a:spcPct val="90000"/>
-              </a:lnSpc>
-              <a:spcBef>
-                <a:spcPts val="500"/>
-              </a:spcBef>
-              <a:buFont typeface="Arial" panose="020B0604020202020204" pitchFamily="34" charset="0"/>
-              <a:buNone/>
-              <a:defRPr sz="1600" kern="1200">
-                <a:solidFill>
-                  <a:schemeClr val="tx1"/>
-                </a:solidFill>
-                <a:latin typeface="+mn-lt"/>
-                <a:ea typeface="+mn-ea"/>
-                <a:cs typeface="+mn-cs"/>
-              </a:defRPr>
-            </a:lvl9pPr>
-          </a:lstStyle>
-          <a:p>
-            <a:r>
-              <a:rPr lang="es-ES" sz="1200" dirty="0"/>
-              <a:t>;</a:t>
-            </a:r>
-            <a:endParaRPr lang="en-US" sz="1200" dirty="0"/>
+              <a:rPr lang="en-US" sz="1300" dirty="0" smtClean="0"/>
+              <a:t>“Contrasenia </a:t>
+            </a:r>
+            <a:r>
+              <a:rPr lang="en-US" sz="1300" dirty="0"/>
+              <a:t>incorrecta</a:t>
+            </a:r>
+            <a:r>
+              <a:rPr lang="en-US" sz="1300" dirty="0" smtClean="0"/>
+              <a:t>.”</a:t>
+            </a:r>
+            <a:endParaRPr lang="en-US" sz="1300" dirty="0"/>
           </a:p>
         </p:txBody>
       </p:sp>
@@ -6095,13 +5171,18 @@
           <p:nvPr/>
         </p:nvCxnSpPr>
         <p:spPr>
-          <a:xfrm>
-            <a:off x="9493426" y="1503941"/>
-            <a:ext cx="136613" cy="636168"/>
+          <a:xfrm flipH="1">
+            <a:off x="10732605" y="1520624"/>
+            <a:ext cx="1" cy="619485"/>
           </a:xfrm>
           <a:prstGeom prst="line">
             <a:avLst/>
           </a:prstGeom>
+          <a:ln>
+            <a:solidFill>
+              <a:schemeClr val="accent6"/>
+            </a:solidFill>
+          </a:ln>
         </p:spPr>
         <p:style>
           <a:lnRef idx="1">
@@ -6129,18 +5210,23 @@
           </p:cNvPr>
           <p:cNvCxnSpPr>
             <a:stCxn id="127" idx="2"/>
-            <a:endCxn id="183" idx="0"/>
+            <a:endCxn id="209" idx="0"/>
           </p:cNvCxnSpPr>
           <p:nvPr/>
         </p:nvCxnSpPr>
         <p:spPr>
           <a:xfrm>
-            <a:off x="6896984" y="2417108"/>
-            <a:ext cx="1207309" cy="818702"/>
+            <a:off x="7573426" y="2432497"/>
+            <a:ext cx="1326713" cy="611625"/>
           </a:xfrm>
           <a:prstGeom prst="line">
             <a:avLst/>
           </a:prstGeom>
+          <a:ln>
+            <a:solidFill>
+              <a:schemeClr val="accent4"/>
+            </a:solidFill>
+          </a:ln>
         </p:spPr>
         <p:style>
           <a:lnRef idx="1">
@@ -6168,18 +5254,449 @@
           </p:cNvPr>
           <p:cNvCxnSpPr>
             <a:stCxn id="172" idx="2"/>
-            <a:endCxn id="207" idx="0"/>
+            <a:endCxn id="211" idx="0"/>
           </p:cNvCxnSpPr>
           <p:nvPr/>
         </p:nvCxnSpPr>
         <p:spPr>
           <a:xfrm>
-            <a:off x="9630039" y="2417108"/>
-            <a:ext cx="1209298" cy="789786"/>
+            <a:off x="10732605" y="2432497"/>
+            <a:ext cx="1198562" cy="611625"/>
           </a:xfrm>
           <a:prstGeom prst="line">
             <a:avLst/>
           </a:prstGeom>
+          <a:ln>
+            <a:solidFill>
+              <a:schemeClr val="accent2"/>
+            </a:solidFill>
+          </a:ln>
+        </p:spPr>
+        <p:style>
+          <a:lnRef idx="1">
+            <a:schemeClr val="accent1"/>
+          </a:lnRef>
+          <a:fillRef idx="0">
+            <a:schemeClr val="accent1"/>
+          </a:fillRef>
+          <a:effectRef idx="0">
+            <a:schemeClr val="accent1"/>
+          </a:effectRef>
+          <a:fontRef idx="minor">
+            <a:schemeClr val="tx1"/>
+          </a:fontRef>
+        </p:style>
+      </p:cxnSp>
+      <p:sp>
+        <p:nvSpPr>
+          <p:cNvPr id="77" name="CuadroTexto 76">
+            <a:extLst>
+              <a:ext uri="{FF2B5EF4-FFF2-40B4-BE49-F238E27FC236}">
+                <a16:creationId xmlns:a16="http://schemas.microsoft.com/office/drawing/2014/main" id="{6B7A3618-4965-44EF-AFBC-C46BD53F17D6}"/>
+              </a:ext>
+            </a:extLst>
+          </p:cNvPr>
+          <p:cNvSpPr txBox="1"/>
+          <p:nvPr/>
+        </p:nvSpPr>
+        <p:spPr>
+          <a:xfrm>
+            <a:off x="4908354" y="4291882"/>
+            <a:ext cx="1302408" cy="292388"/>
+          </a:xfrm>
+          <a:prstGeom prst="rect">
+            <a:avLst/>
+          </a:prstGeom>
+          <a:noFill/>
+        </p:spPr>
+        <p:txBody>
+          <a:bodyPr wrap="none" rtlCol="0">
+            <a:spAutoFit/>
+          </a:bodyPr>
+          <a:lstStyle/>
+          <a:p>
+            <a:r>
+              <a:rPr lang="en-US" sz="1300" dirty="0"/>
+              <a:t>STRING_LITERAL</a:t>
+            </a:r>
+          </a:p>
+        </p:txBody>
+      </p:sp>
+      <p:sp>
+        <p:nvSpPr>
+          <p:cNvPr id="78" name="Rectángulo 77">
+            <a:extLst>
+              <a:ext uri="{FF2B5EF4-FFF2-40B4-BE49-F238E27FC236}">
+                <a16:creationId xmlns:a16="http://schemas.microsoft.com/office/drawing/2014/main" id="{2A72AB1E-A22B-44CC-95E2-98F7142578AA}"/>
+              </a:ext>
+            </a:extLst>
+          </p:cNvPr>
+          <p:cNvSpPr/>
+          <p:nvPr/>
+        </p:nvSpPr>
+        <p:spPr>
+          <a:xfrm>
+            <a:off x="5047004" y="5187851"/>
+            <a:ext cx="1025108" cy="292388"/>
+          </a:xfrm>
+          <a:prstGeom prst="rect">
+            <a:avLst/>
+          </a:prstGeom>
+        </p:spPr>
+        <p:txBody>
+          <a:bodyPr wrap="square">
+            <a:spAutoFit/>
+          </a:bodyPr>
+          <a:lstStyle/>
+          <a:p>
+            <a:pPr algn="ctr"/>
+            <a:r>
+              <a:rPr lang="en-US" sz="1300" dirty="0" smtClean="0"/>
+              <a:t>“myClave”</a:t>
+            </a:r>
+            <a:endParaRPr lang="en-US" sz="1300" dirty="0"/>
+          </a:p>
+        </p:txBody>
+      </p:sp>
+      <p:cxnSp>
+        <p:nvCxnSpPr>
+          <p:cNvPr id="79" name="Conector recto 78"/>
+          <p:cNvCxnSpPr>
+            <a:stCxn id="77" idx="2"/>
+            <a:endCxn id="78" idx="0"/>
+          </p:cNvCxnSpPr>
+          <p:nvPr/>
+        </p:nvCxnSpPr>
+        <p:spPr>
+          <a:xfrm>
+            <a:off x="5559558" y="4584270"/>
+            <a:ext cx="0" cy="603581"/>
+          </a:xfrm>
+          <a:prstGeom prst="line">
+            <a:avLst/>
+          </a:prstGeom>
+          <a:ln>
+            <a:solidFill>
+              <a:schemeClr val="accent6"/>
+            </a:solidFill>
+          </a:ln>
+        </p:spPr>
+        <p:style>
+          <a:lnRef idx="1">
+            <a:schemeClr val="accent1"/>
+          </a:lnRef>
+          <a:fillRef idx="0">
+            <a:schemeClr val="accent1"/>
+          </a:fillRef>
+          <a:effectRef idx="0">
+            <a:schemeClr val="accent1"/>
+          </a:effectRef>
+          <a:fontRef idx="minor">
+            <a:schemeClr val="tx1"/>
+          </a:fontRef>
+        </p:style>
+      </p:cxnSp>
+      <p:sp>
+        <p:nvSpPr>
+          <p:cNvPr id="209" name="Rectángulo 208">
+            <a:extLst>
+              <a:ext uri="{FF2B5EF4-FFF2-40B4-BE49-F238E27FC236}">
+                <a16:creationId xmlns:a16="http://schemas.microsoft.com/office/drawing/2014/main" id="{AF342409-E0A6-49F1-981C-2B764E2F8544}"/>
+              </a:ext>
+            </a:extLst>
+          </p:cNvPr>
+          <p:cNvSpPr/>
+          <p:nvPr/>
+        </p:nvSpPr>
+        <p:spPr>
+          <a:xfrm>
+            <a:off x="8785364" y="3044122"/>
+            <a:ext cx="229550" cy="292388"/>
+          </a:xfrm>
+          <a:prstGeom prst="rect">
+            <a:avLst/>
+          </a:prstGeom>
+        </p:spPr>
+        <p:txBody>
+          <a:bodyPr wrap="none">
+            <a:spAutoFit/>
+          </a:bodyPr>
+          <a:lstStyle/>
+          <a:p>
+            <a:r>
+              <a:rPr lang="es-ES" sz="1300" dirty="0"/>
+              <a:t>;</a:t>
+            </a:r>
+            <a:endParaRPr lang="en-US" sz="1300" dirty="0"/>
+          </a:p>
+        </p:txBody>
+      </p:sp>
+      <p:sp>
+        <p:nvSpPr>
+          <p:cNvPr id="211" name="Rectángulo 210">
+            <a:extLst>
+              <a:ext uri="{FF2B5EF4-FFF2-40B4-BE49-F238E27FC236}">
+                <a16:creationId xmlns:a16="http://schemas.microsoft.com/office/drawing/2014/main" id="{AF342409-E0A6-49F1-981C-2B764E2F8544}"/>
+              </a:ext>
+            </a:extLst>
+          </p:cNvPr>
+          <p:cNvSpPr/>
+          <p:nvPr/>
+        </p:nvSpPr>
+        <p:spPr>
+          <a:xfrm>
+            <a:off x="11816392" y="3044122"/>
+            <a:ext cx="229550" cy="292388"/>
+          </a:xfrm>
+          <a:prstGeom prst="rect">
+            <a:avLst/>
+          </a:prstGeom>
+        </p:spPr>
+        <p:txBody>
+          <a:bodyPr wrap="none">
+            <a:spAutoFit/>
+          </a:bodyPr>
+          <a:lstStyle/>
+          <a:p>
+            <a:r>
+              <a:rPr lang="es-ES" sz="1300" dirty="0"/>
+              <a:t>;</a:t>
+            </a:r>
+            <a:endParaRPr lang="en-US" sz="1300" dirty="0"/>
+          </a:p>
+        </p:txBody>
+      </p:sp>
+      <p:sp>
+        <p:nvSpPr>
+          <p:cNvPr id="255" name="CuadroTexto 254">
+            <a:extLst>
+              <a:ext uri="{FF2B5EF4-FFF2-40B4-BE49-F238E27FC236}">
+                <a16:creationId xmlns:a16="http://schemas.microsoft.com/office/drawing/2014/main" id="{6B7A3618-4965-44EF-AFBC-C46BD53F17D6}"/>
+              </a:ext>
+            </a:extLst>
+          </p:cNvPr>
+          <p:cNvSpPr txBox="1"/>
+          <p:nvPr/>
+        </p:nvSpPr>
+        <p:spPr>
+          <a:xfrm>
+            <a:off x="7695943" y="4291882"/>
+            <a:ext cx="1302408" cy="292388"/>
+          </a:xfrm>
+          <a:prstGeom prst="rect">
+            <a:avLst/>
+          </a:prstGeom>
+          <a:noFill/>
+        </p:spPr>
+        <p:txBody>
+          <a:bodyPr wrap="none" rtlCol="0">
+            <a:spAutoFit/>
+          </a:bodyPr>
+          <a:lstStyle/>
+          <a:p>
+            <a:r>
+              <a:rPr lang="en-US" sz="1300" dirty="0"/>
+              <a:t>STRING_LITERAL</a:t>
+            </a:r>
+          </a:p>
+        </p:txBody>
+      </p:sp>
+      <p:sp>
+        <p:nvSpPr>
+          <p:cNvPr id="256" name="CuadroTexto 255">
+            <a:extLst>
+              <a:ext uri="{FF2B5EF4-FFF2-40B4-BE49-F238E27FC236}">
+                <a16:creationId xmlns:a16="http://schemas.microsoft.com/office/drawing/2014/main" id="{6B7A3618-4965-44EF-AFBC-C46BD53F17D6}"/>
+              </a:ext>
+            </a:extLst>
+          </p:cNvPr>
+          <p:cNvSpPr txBox="1"/>
+          <p:nvPr/>
+        </p:nvSpPr>
+        <p:spPr>
+          <a:xfrm>
+            <a:off x="10792044" y="4266986"/>
+            <a:ext cx="1302408" cy="292388"/>
+          </a:xfrm>
+          <a:prstGeom prst="rect">
+            <a:avLst/>
+          </a:prstGeom>
+          <a:noFill/>
+        </p:spPr>
+        <p:txBody>
+          <a:bodyPr wrap="none" rtlCol="0">
+            <a:spAutoFit/>
+          </a:bodyPr>
+          <a:lstStyle/>
+          <a:p>
+            <a:r>
+              <a:rPr lang="en-US" sz="1300" dirty="0"/>
+              <a:t>STRING_LITERAL</a:t>
+            </a:r>
+          </a:p>
+        </p:txBody>
+      </p:sp>
+      <p:cxnSp>
+        <p:nvCxnSpPr>
+          <p:cNvPr id="258" name="Conector recto 257"/>
+          <p:cNvCxnSpPr>
+            <a:stCxn id="193" idx="2"/>
+            <a:endCxn id="77" idx="0"/>
+          </p:cNvCxnSpPr>
+          <p:nvPr/>
+        </p:nvCxnSpPr>
+        <p:spPr>
+          <a:xfrm>
+            <a:off x="5559558" y="3340945"/>
+            <a:ext cx="0" cy="950937"/>
+          </a:xfrm>
+          <a:prstGeom prst="line">
+            <a:avLst/>
+          </a:prstGeom>
+          <a:ln>
+            <a:solidFill>
+              <a:schemeClr val="accent2"/>
+            </a:solidFill>
+          </a:ln>
+        </p:spPr>
+        <p:style>
+          <a:lnRef idx="1">
+            <a:schemeClr val="accent1"/>
+          </a:lnRef>
+          <a:fillRef idx="0">
+            <a:schemeClr val="accent1"/>
+          </a:fillRef>
+          <a:effectRef idx="0">
+            <a:schemeClr val="accent1"/>
+          </a:effectRef>
+          <a:fontRef idx="minor">
+            <a:schemeClr val="tx1"/>
+          </a:fontRef>
+        </p:style>
+      </p:cxnSp>
+      <p:cxnSp>
+        <p:nvCxnSpPr>
+          <p:cNvPr id="260" name="Conector recto 259"/>
+          <p:cNvCxnSpPr>
+            <a:stCxn id="128" idx="2"/>
+            <a:endCxn id="255" idx="0"/>
+          </p:cNvCxnSpPr>
+          <p:nvPr/>
+        </p:nvCxnSpPr>
+        <p:spPr>
+          <a:xfrm>
+            <a:off x="8347147" y="3344773"/>
+            <a:ext cx="0" cy="947109"/>
+          </a:xfrm>
+          <a:prstGeom prst="line">
+            <a:avLst/>
+          </a:prstGeom>
+        </p:spPr>
+        <p:style>
+          <a:lnRef idx="1">
+            <a:schemeClr val="accent1"/>
+          </a:lnRef>
+          <a:fillRef idx="0">
+            <a:schemeClr val="accent1"/>
+          </a:fillRef>
+          <a:effectRef idx="0">
+            <a:schemeClr val="accent1"/>
+          </a:effectRef>
+          <a:fontRef idx="minor">
+            <a:schemeClr val="tx1"/>
+          </a:fontRef>
+        </p:style>
+      </p:cxnSp>
+      <p:cxnSp>
+        <p:nvCxnSpPr>
+          <p:cNvPr id="262" name="Conector recto 261"/>
+          <p:cNvCxnSpPr>
+            <a:stCxn id="173" idx="2"/>
+            <a:endCxn id="256" idx="0"/>
+          </p:cNvCxnSpPr>
+          <p:nvPr/>
+        </p:nvCxnSpPr>
+        <p:spPr>
+          <a:xfrm>
+            <a:off x="11443248" y="3340929"/>
+            <a:ext cx="0" cy="926057"/>
+          </a:xfrm>
+          <a:prstGeom prst="line">
+            <a:avLst/>
+          </a:prstGeom>
+        </p:spPr>
+        <p:style>
+          <a:lnRef idx="1">
+            <a:schemeClr val="accent1"/>
+          </a:lnRef>
+          <a:fillRef idx="0">
+            <a:schemeClr val="accent1"/>
+          </a:fillRef>
+          <a:effectRef idx="0">
+            <a:schemeClr val="accent1"/>
+          </a:effectRef>
+          <a:fontRef idx="minor">
+            <a:schemeClr val="tx1"/>
+          </a:fontRef>
+        </p:style>
+      </p:cxnSp>
+      <p:cxnSp>
+        <p:nvCxnSpPr>
+          <p:cNvPr id="264" name="Conector recto 263"/>
+          <p:cNvCxnSpPr>
+            <a:stCxn id="255" idx="2"/>
+            <a:endCxn id="152" idx="0"/>
+          </p:cNvCxnSpPr>
+          <p:nvPr/>
+        </p:nvCxnSpPr>
+        <p:spPr>
+          <a:xfrm>
+            <a:off x="8347147" y="4584270"/>
+            <a:ext cx="0" cy="603581"/>
+          </a:xfrm>
+          <a:prstGeom prst="line">
+            <a:avLst/>
+          </a:prstGeom>
+          <a:ln>
+            <a:solidFill>
+              <a:schemeClr val="accent6"/>
+            </a:solidFill>
+          </a:ln>
+        </p:spPr>
+        <p:style>
+          <a:lnRef idx="1">
+            <a:schemeClr val="accent1"/>
+          </a:lnRef>
+          <a:fillRef idx="0">
+            <a:schemeClr val="accent1"/>
+          </a:fillRef>
+          <a:effectRef idx="0">
+            <a:schemeClr val="accent1"/>
+          </a:effectRef>
+          <a:fontRef idx="minor">
+            <a:schemeClr val="tx1"/>
+          </a:fontRef>
+        </p:style>
+      </p:cxnSp>
+      <p:cxnSp>
+        <p:nvCxnSpPr>
+          <p:cNvPr id="266" name="Conector recto 265"/>
+          <p:cNvCxnSpPr/>
+          <p:nvPr/>
+        </p:nvCxnSpPr>
+        <p:spPr>
+          <a:xfrm flipH="1">
+            <a:off x="11053110" y="4530705"/>
+            <a:ext cx="355322" cy="628477"/>
+          </a:xfrm>
+          <a:prstGeom prst="line">
+            <a:avLst/>
+          </a:prstGeom>
+          <a:ln>
+            <a:solidFill>
+              <a:schemeClr val="accent4"/>
+            </a:solidFill>
+          </a:ln>
         </p:spPr>
         <p:style>
           <a:lnRef idx="1">
